--- a/project_files/pygame презентация.pptx
+++ b/project_files/pygame презентация.pptx
@@ -11,8 +11,8 @@
     <p:sldId id="256" r:id="rId2"/>
     <p:sldId id="257" r:id="rId3"/>
     <p:sldId id="288" r:id="rId4"/>
-    <p:sldId id="261" r:id="rId5"/>
-    <p:sldId id="260" r:id="rId6"/>
+    <p:sldId id="260" r:id="rId5"/>
+    <p:sldId id="261" r:id="rId6"/>
     <p:sldId id="295" r:id="rId7"/>
     <p:sldId id="296" r:id="rId8"/>
   </p:sldIdLst>
@@ -823,7 +823,7 @@
               </a:spcAft>
               <a:buNone/>
             </a:pPr>
-            <a:endParaRPr/>
+            <a:endParaRPr dirty="0"/>
           </a:p>
         </p:txBody>
       </p:sp>
@@ -1048,6 +1048,110 @@
   <p:cSld>
     <p:spTree>
       <p:nvGrpSpPr>
+        <p:cNvPr id="1" name="Shape 112"/>
+        <p:cNvGrpSpPr/>
+        <p:nvPr/>
+      </p:nvGrpSpPr>
+      <p:grpSpPr>
+        <a:xfrm>
+          <a:off x="0" y="0"/>
+          <a:ext cx="0" cy="0"/>
+          <a:chOff x="0" y="0"/>
+          <a:chExt cx="0" cy="0"/>
+        </a:xfrm>
+      </p:grpSpPr>
+      <p:sp>
+        <p:nvSpPr>
+          <p:cNvPr id="113" name="Google Shape;113;g35f391192_09:notes"/>
+          <p:cNvSpPr>
+            <a:spLocks noGrp="1" noRot="1" noChangeAspect="1"/>
+          </p:cNvSpPr>
+          <p:nvPr>
+            <p:ph type="sldImg" idx="2"/>
+          </p:nvPr>
+        </p:nvSpPr>
+        <p:spPr>
+          <a:xfrm>
+            <a:off x="381000" y="685800"/>
+            <a:ext cx="6096000" cy="3429000"/>
+          </a:xfrm>
+          <a:custGeom>
+            <a:avLst/>
+            <a:gdLst/>
+            <a:ahLst/>
+            <a:cxnLst/>
+            <a:rect l="l" t="t" r="r" b="b"/>
+            <a:pathLst>
+              <a:path w="120000" h="120000" extrusionOk="0">
+                <a:moveTo>
+                  <a:pt x="0" y="0"/>
+                </a:moveTo>
+                <a:lnTo>
+                  <a:pt x="120000" y="0"/>
+                </a:lnTo>
+                <a:lnTo>
+                  <a:pt x="120000" y="120000"/>
+                </a:lnTo>
+                <a:lnTo>
+                  <a:pt x="0" y="120000"/>
+                </a:lnTo>
+                <a:close/>
+              </a:path>
+            </a:pathLst>
+          </a:custGeom>
+        </p:spPr>
+      </p:sp>
+      <p:sp>
+        <p:nvSpPr>
+          <p:cNvPr id="114" name="Google Shape;114;g35f391192_09:notes"/>
+          <p:cNvSpPr txBox="1">
+            <a:spLocks noGrp="1"/>
+          </p:cNvSpPr>
+          <p:nvPr>
+            <p:ph type="body" idx="1"/>
+          </p:nvPr>
+        </p:nvSpPr>
+        <p:spPr>
+          <a:xfrm>
+            <a:off x="685800" y="4343400"/>
+            <a:ext cx="5486400" cy="4114800"/>
+          </a:xfrm>
+          <a:prstGeom prst="rect">
+            <a:avLst/>
+          </a:prstGeom>
+        </p:spPr>
+        <p:txBody>
+          <a:bodyPr spcFirstLastPara="1" wrap="square" lIns="91425" tIns="91425" rIns="91425" bIns="91425" anchor="t" anchorCtr="0">
+            <a:noAutofit/>
+          </a:bodyPr>
+          <a:lstStyle/>
+          <a:p>
+            <a:pPr marL="0" lvl="0" indent="0" algn="l" rtl="0">
+              <a:spcBef>
+                <a:spcPts val="0"/>
+              </a:spcBef>
+              <a:spcAft>
+                <a:spcPts val="0"/>
+              </a:spcAft>
+              <a:buNone/>
+            </a:pPr>
+            <a:endParaRPr/>
+          </a:p>
+        </p:txBody>
+      </p:sp>
+    </p:spTree>
+  </p:cSld>
+  <p:clrMapOvr>
+    <a:masterClrMapping/>
+  </p:clrMapOvr>
+</p:notes>
+</file>
+
+<file path=ppt/notesSlides/notesSlide5.xml><?xml version="1.0" encoding="utf-8"?>
+<p:notes xmlns:a="http://schemas.openxmlformats.org/drawingml/2006/main" xmlns:r="http://schemas.openxmlformats.org/officeDocument/2006/relationships" xmlns:p="http://schemas.openxmlformats.org/presentationml/2006/main" showMasterSp="0" showMasterPhAnim="0">
+  <p:cSld>
+    <p:spTree>
+      <p:nvGrpSpPr>
         <p:cNvPr id="1" name="Shape 118"/>
         <p:cNvGrpSpPr/>
         <p:nvPr/>
@@ -1104,110 +1208,6 @@
       <p:sp>
         <p:nvSpPr>
           <p:cNvPr id="120" name="Google Shape;120;p:notes"/>
-          <p:cNvSpPr txBox="1">
-            <a:spLocks noGrp="1"/>
-          </p:cNvSpPr>
-          <p:nvPr>
-            <p:ph type="body" idx="1"/>
-          </p:nvPr>
-        </p:nvSpPr>
-        <p:spPr>
-          <a:xfrm>
-            <a:off x="685800" y="4343400"/>
-            <a:ext cx="5486400" cy="4114800"/>
-          </a:xfrm>
-          <a:prstGeom prst="rect">
-            <a:avLst/>
-          </a:prstGeom>
-        </p:spPr>
-        <p:txBody>
-          <a:bodyPr spcFirstLastPara="1" wrap="square" lIns="91425" tIns="91425" rIns="91425" bIns="91425" anchor="t" anchorCtr="0">
-            <a:noAutofit/>
-          </a:bodyPr>
-          <a:lstStyle/>
-          <a:p>
-            <a:pPr marL="0" lvl="0" indent="0" algn="l" rtl="0">
-              <a:spcBef>
-                <a:spcPts val="0"/>
-              </a:spcBef>
-              <a:spcAft>
-                <a:spcPts val="0"/>
-              </a:spcAft>
-              <a:buNone/>
-            </a:pPr>
-            <a:endParaRPr/>
-          </a:p>
-        </p:txBody>
-      </p:sp>
-    </p:spTree>
-  </p:cSld>
-  <p:clrMapOvr>
-    <a:masterClrMapping/>
-  </p:clrMapOvr>
-</p:notes>
-</file>
-
-<file path=ppt/notesSlides/notesSlide5.xml><?xml version="1.0" encoding="utf-8"?>
-<p:notes xmlns:a="http://schemas.openxmlformats.org/drawingml/2006/main" xmlns:r="http://schemas.openxmlformats.org/officeDocument/2006/relationships" xmlns:p="http://schemas.openxmlformats.org/presentationml/2006/main" showMasterSp="0" showMasterPhAnim="0">
-  <p:cSld>
-    <p:spTree>
-      <p:nvGrpSpPr>
-        <p:cNvPr id="1" name="Shape 112"/>
-        <p:cNvGrpSpPr/>
-        <p:nvPr/>
-      </p:nvGrpSpPr>
-      <p:grpSpPr>
-        <a:xfrm>
-          <a:off x="0" y="0"/>
-          <a:ext cx="0" cy="0"/>
-          <a:chOff x="0" y="0"/>
-          <a:chExt cx="0" cy="0"/>
-        </a:xfrm>
-      </p:grpSpPr>
-      <p:sp>
-        <p:nvSpPr>
-          <p:cNvPr id="113" name="Google Shape;113;g35f391192_09:notes"/>
-          <p:cNvSpPr>
-            <a:spLocks noGrp="1" noRot="1" noChangeAspect="1"/>
-          </p:cNvSpPr>
-          <p:nvPr>
-            <p:ph type="sldImg" idx="2"/>
-          </p:nvPr>
-        </p:nvSpPr>
-        <p:spPr>
-          <a:xfrm>
-            <a:off x="381000" y="685800"/>
-            <a:ext cx="6096000" cy="3429000"/>
-          </a:xfrm>
-          <a:custGeom>
-            <a:avLst/>
-            <a:gdLst/>
-            <a:ahLst/>
-            <a:cxnLst/>
-            <a:rect l="l" t="t" r="r" b="b"/>
-            <a:pathLst>
-              <a:path w="120000" h="120000" extrusionOk="0">
-                <a:moveTo>
-                  <a:pt x="0" y="0"/>
-                </a:moveTo>
-                <a:lnTo>
-                  <a:pt x="120000" y="0"/>
-                </a:lnTo>
-                <a:lnTo>
-                  <a:pt x="120000" y="120000"/>
-                </a:lnTo>
-                <a:lnTo>
-                  <a:pt x="0" y="120000"/>
-                </a:lnTo>
-                <a:close/>
-              </a:path>
-            </a:pathLst>
-          </a:custGeom>
-        </p:spPr>
-      </p:sp>
-      <p:sp>
-        <p:nvSpPr>
-          <p:cNvPr id="114" name="Google Shape;114;g35f391192_09:notes"/>
           <p:cNvSpPr txBox="1">
             <a:spLocks noGrp="1"/>
           </p:cNvSpPr>
@@ -5160,105 +5160,36 @@
           <a:chExt cx="0" cy="0"/>
         </a:xfrm>
       </p:grpSpPr>
-      <p:sp>
-        <p:nvSpPr>
-          <p:cNvPr id="2" name="Прямоугольник 1"/>
-          <p:cNvSpPr/>
+      <p:pic>
+        <p:nvPicPr>
+          <p:cNvPr id="4" name="Рисунок 3"/>
+          <p:cNvPicPr>
+            <a:picLocks noChangeAspect="1"/>
+          </p:cNvPicPr>
           <p:nvPr/>
-        </p:nvSpPr>
+        </p:nvPicPr>
+        <p:blipFill>
+          <a:blip r:embed="rId3">
+            <a:extLst>
+              <a:ext uri="{28A0092B-C50C-407E-A947-70E740481C1C}">
+                <a14:useLocalDpi xmlns:a14="http://schemas.microsoft.com/office/drawing/2010/main" val="0"/>
+              </a:ext>
+            </a:extLst>
+          </a:blip>
+          <a:stretch>
+            <a:fillRect/>
+          </a:stretch>
+        </p:blipFill>
         <p:spPr>
           <a:xfrm>
-            <a:off x="2149719" y="650631"/>
-            <a:ext cx="4602773" cy="1846384"/>
+            <a:off x="-4439" y="0"/>
+            <a:ext cx="9148439" cy="5143500"/>
           </a:xfrm>
           <a:prstGeom prst="rect">
             <a:avLst/>
           </a:prstGeom>
-          <a:ln>
-            <a:solidFill>
-              <a:schemeClr val="tx1"/>
-            </a:solidFill>
-          </a:ln>
-        </p:spPr>
-        <p:style>
-          <a:lnRef idx="2">
-            <a:schemeClr val="accent5">
-              <a:shade val="50000"/>
-            </a:schemeClr>
-          </a:lnRef>
-          <a:fillRef idx="1">
-            <a:schemeClr val="accent5"/>
-          </a:fillRef>
-          <a:effectRef idx="0">
-            <a:schemeClr val="accent5"/>
-          </a:effectRef>
-          <a:fontRef idx="minor">
-            <a:schemeClr val="lt1"/>
-          </a:fontRef>
-        </p:style>
-        <p:txBody>
-          <a:bodyPr rtlCol="0" anchor="ctr"/>
-          <a:lstStyle/>
-          <a:p>
-            <a:pPr algn="ctr"/>
-            <a:endParaRPr lang="ru-RU"/>
-          </a:p>
-        </p:txBody>
-      </p:sp>
-      <p:sp>
-        <p:nvSpPr>
-          <p:cNvPr id="87" name="Google Shape;87;p15"/>
-          <p:cNvSpPr txBox="1">
-            <a:spLocks noGrp="1"/>
-          </p:cNvSpPr>
-          <p:nvPr>
-            <p:ph type="ctrTitle"/>
-          </p:nvPr>
-        </p:nvSpPr>
-        <p:spPr>
-          <a:xfrm>
-            <a:off x="413239" y="1337215"/>
-            <a:ext cx="7987811" cy="1159800"/>
-          </a:xfrm>
-          <a:prstGeom prst="rect">
-            <a:avLst/>
-          </a:prstGeom>
-        </p:spPr>
-        <p:txBody>
-          <a:bodyPr spcFirstLastPara="1" wrap="square" lIns="91425" tIns="91425" rIns="91425" bIns="91425" anchor="t" anchorCtr="0">
-            <a:noAutofit/>
-          </a:bodyPr>
-          <a:lstStyle/>
-          <a:p>
-            <a:pPr marL="0" lvl="0" indent="0" algn="ctr" rtl="0">
-              <a:spcBef>
-                <a:spcPts val="0"/>
-              </a:spcBef>
-              <a:spcAft>
-                <a:spcPts val="0"/>
-              </a:spcAft>
-              <a:buNone/>
-            </a:pPr>
-            <a:r>
-              <a:rPr lang="ru-RU" sz="6600" dirty="0" err="1" smtClean="0"/>
-              <a:t>Межвселенная</a:t>
-            </a:r>
-            <a:r>
-              <a:rPr lang="ru-RU" sz="6600" dirty="0" smtClean="0"/>
-              <a:t> </a:t>
-            </a:r>
-            <a:r>
-              <a:rPr lang="ru-RU" sz="6600" dirty="0" smtClean="0">
-                <a:latin typeface="Source Sans Pro" panose="020B0604020202020204" charset="0"/>
-              </a:rPr>
-              <a:t>битва</a:t>
-            </a:r>
-            <a:endParaRPr sz="6600" dirty="0">
-              <a:latin typeface="Source Sans Pro" panose="020B0604020202020204" charset="0"/>
-            </a:endParaRPr>
-          </a:p>
-        </p:txBody>
-      </p:sp>
+        </p:spPr>
+      </p:pic>
       <p:sp>
         <p:nvSpPr>
           <p:cNvPr id="3" name="TextBox 2"/>
@@ -5267,8 +5198,8 @@
         </p:nvSpPr>
         <p:spPr>
           <a:xfrm>
-            <a:off x="6752492" y="4180743"/>
-            <a:ext cx="2180492" cy="738664"/>
+            <a:off x="7548196" y="4543336"/>
+            <a:ext cx="2180492" cy="600164"/>
           </a:xfrm>
           <a:prstGeom prst="rect">
             <a:avLst/>
@@ -5282,9 +5213,9 @@
           <a:lstStyle/>
           <a:p>
             <a:r>
-              <a:rPr lang="ru-RU" dirty="0" smtClean="0">
-                <a:solidFill>
-                  <a:schemeClr val="accent3"/>
+              <a:rPr lang="ru-RU" sz="1100" dirty="0" smtClean="0">
+                <a:solidFill>
+                  <a:schemeClr val="bg1"/>
                 </a:solidFill>
                 <a:latin typeface="Source Sans Pro" panose="020B0604020202020204" charset="0"/>
               </a:rPr>
@@ -5293,35 +5224,35 @@
           </a:p>
           <a:p>
             <a:r>
-              <a:rPr lang="ru-RU" dirty="0" smtClean="0">
-                <a:solidFill>
-                  <a:schemeClr val="accent3"/>
+              <a:rPr lang="ru-RU" sz="1100" dirty="0" smtClean="0">
+                <a:solidFill>
+                  <a:schemeClr val="bg1"/>
                 </a:solidFill>
                 <a:latin typeface="Source Sans Pro" panose="020B0604020202020204" charset="0"/>
               </a:rPr>
               <a:t>Филимонова Виктория, </a:t>
             </a:r>
             <a:r>
-              <a:rPr lang="ru-RU" dirty="0" err="1" smtClean="0">
-                <a:solidFill>
-                  <a:schemeClr val="accent3"/>
+              <a:rPr lang="ru-RU" sz="1100" dirty="0" err="1" smtClean="0">
+                <a:solidFill>
+                  <a:schemeClr val="bg1"/>
                 </a:solidFill>
                 <a:latin typeface="Source Sans Pro" panose="020B0604020202020204" charset="0"/>
               </a:rPr>
               <a:t>Шангина</a:t>
             </a:r>
             <a:r>
-              <a:rPr lang="ru-RU" dirty="0" smtClean="0">
-                <a:solidFill>
-                  <a:schemeClr val="accent3"/>
+              <a:rPr lang="ru-RU" sz="1100" dirty="0" smtClean="0">
+                <a:solidFill>
+                  <a:schemeClr val="bg1"/>
                 </a:solidFill>
                 <a:latin typeface="Source Sans Pro" panose="020B0604020202020204" charset="0"/>
               </a:rPr>
               <a:t> Елизавета</a:t>
             </a:r>
-            <a:endParaRPr lang="ru-RU" dirty="0">
+            <a:endParaRPr lang="ru-RU" sz="1100" dirty="0">
               <a:solidFill>
-                <a:schemeClr val="accent3"/>
+                <a:schemeClr val="bg1"/>
               </a:solidFill>
               <a:latin typeface="Source Sans Pro" panose="020B0604020202020204" charset="0"/>
             </a:endParaRPr>
@@ -6305,1551 +6236,6 @@
 </file>
 
 <file path=ppt/slides/slide4.xml><?xml version="1.0" encoding="utf-8"?>
-<p:sld xmlns:a="http://schemas.openxmlformats.org/drawingml/2006/main" xmlns:r="http://schemas.openxmlformats.org/officeDocument/2006/relationships" xmlns:p="http://schemas.openxmlformats.org/presentationml/2006/main">
-  <p:cSld>
-    <p:spTree>
-      <p:nvGrpSpPr>
-        <p:cNvPr id="1" name="Shape 121"/>
-        <p:cNvGrpSpPr/>
-        <p:nvPr/>
-      </p:nvGrpSpPr>
-      <p:grpSpPr>
-        <a:xfrm>
-          <a:off x="0" y="0"/>
-          <a:ext cx="0" cy="0"/>
-          <a:chOff x="0" y="0"/>
-          <a:chExt cx="0" cy="0"/>
-        </a:xfrm>
-      </p:grpSpPr>
-      <p:sp>
-        <p:nvSpPr>
-          <p:cNvPr id="122" name="Google Shape;122;p20"/>
-          <p:cNvSpPr txBox="1">
-            <a:spLocks noGrp="1"/>
-          </p:cNvSpPr>
-          <p:nvPr>
-            <p:ph type="title"/>
-          </p:nvPr>
-        </p:nvSpPr>
-        <p:spPr>
-          <a:xfrm>
-            <a:off x="832475" y="126338"/>
-            <a:ext cx="7951800" cy="730200"/>
-          </a:xfrm>
-          <a:prstGeom prst="rect">
-            <a:avLst/>
-          </a:prstGeom>
-          <a:ln>
-            <a:noFill/>
-          </a:ln>
-        </p:spPr>
-        <p:txBody>
-          <a:bodyPr spcFirstLastPara="1" wrap="square" lIns="91425" tIns="91425" rIns="91425" bIns="91425" anchor="ctr" anchorCtr="0">
-            <a:noAutofit/>
-          </a:bodyPr>
-          <a:lstStyle/>
-          <a:p>
-            <a:pPr marL="0" lvl="0" indent="0" algn="l" rtl="0">
-              <a:spcBef>
-                <a:spcPts val="0"/>
-              </a:spcBef>
-              <a:spcAft>
-                <a:spcPts val="0"/>
-              </a:spcAft>
-              <a:buNone/>
-            </a:pPr>
-            <a:r>
-              <a:rPr lang="ru-RU" dirty="0" err="1" smtClean="0"/>
-              <a:t>Геймплей</a:t>
-            </a:r>
-            <a:r>
-              <a:rPr lang="ru-RU" dirty="0" smtClean="0"/>
-              <a:t> и управление</a:t>
-            </a:r>
-            <a:endParaRPr dirty="0"/>
-          </a:p>
-        </p:txBody>
-      </p:sp>
-      <p:pic>
-        <p:nvPicPr>
-          <p:cNvPr id="2058" name="Picture 10" descr="https://pixy.org/src2/637/6370741.png"/>
-          <p:cNvPicPr>
-            <a:picLocks noChangeAspect="1" noChangeArrowheads="1"/>
-          </p:cNvPicPr>
-          <p:nvPr/>
-        </p:nvPicPr>
-        <p:blipFill>
-          <a:blip r:embed="rId3">
-            <a:extLst>
-              <a:ext uri="{28A0092B-C50C-407E-A947-70E740481C1C}">
-                <a14:useLocalDpi xmlns:a14="http://schemas.microsoft.com/office/drawing/2010/main" val="0"/>
-              </a:ext>
-            </a:extLst>
-          </a:blip>
-          <a:srcRect/>
-          <a:stretch>
-            <a:fillRect/>
-          </a:stretch>
-        </p:blipFill>
-        <p:spPr bwMode="auto">
-          <a:xfrm>
-            <a:off x="1569313" y="2036031"/>
-            <a:ext cx="5552432" cy="2232841"/>
-          </a:xfrm>
-          <a:prstGeom prst="rect">
-            <a:avLst/>
-          </a:prstGeom>
-          <a:noFill/>
-          <a:extLst>
-            <a:ext uri="{909E8E84-426E-40DD-AFC4-6F175D3DCCD1}">
-              <a14:hiddenFill xmlns:a14="http://schemas.microsoft.com/office/drawing/2010/main">
-                <a:solidFill>
-                  <a:srgbClr val="FFFFFF"/>
-                </a:solidFill>
-              </a14:hiddenFill>
-            </a:ext>
-          </a:extLst>
-        </p:spPr>
-      </p:pic>
-      <p:cxnSp>
-        <p:nvCxnSpPr>
-          <p:cNvPr id="19" name="Прямая со стрелкой 18"/>
-          <p:cNvCxnSpPr>
-            <a:stCxn id="28" idx="2"/>
-          </p:cNvCxnSpPr>
-          <p:nvPr/>
-        </p:nvCxnSpPr>
-        <p:spPr>
-          <a:xfrm>
-            <a:off x="1057072" y="1813499"/>
-            <a:ext cx="1014990" cy="610940"/>
-          </a:xfrm>
-          <a:prstGeom prst="straightConnector1">
-            <a:avLst/>
-          </a:prstGeom>
-          <a:ln>
-            <a:tailEnd type="triangle"/>
-          </a:ln>
-        </p:spPr>
-        <p:style>
-          <a:lnRef idx="1">
-            <a:schemeClr val="accent1"/>
-          </a:lnRef>
-          <a:fillRef idx="0">
-            <a:schemeClr val="accent1"/>
-          </a:fillRef>
-          <a:effectRef idx="0">
-            <a:schemeClr val="accent1"/>
-          </a:effectRef>
-          <a:fontRef idx="minor">
-            <a:schemeClr val="tx1"/>
-          </a:fontRef>
-        </p:style>
-      </p:cxnSp>
-      <p:cxnSp>
-        <p:nvCxnSpPr>
-          <p:cNvPr id="21" name="Прямая со стрелкой 20"/>
-          <p:cNvCxnSpPr>
-            <a:stCxn id="31" idx="2"/>
-          </p:cNvCxnSpPr>
-          <p:nvPr/>
-        </p:nvCxnSpPr>
-        <p:spPr>
-          <a:xfrm>
-            <a:off x="1685394" y="1562737"/>
-            <a:ext cx="749608" cy="864100"/>
-          </a:xfrm>
-          <a:prstGeom prst="straightConnector1">
-            <a:avLst/>
-          </a:prstGeom>
-          <a:ln>
-            <a:tailEnd type="triangle"/>
-          </a:ln>
-        </p:spPr>
-        <p:style>
-          <a:lnRef idx="1">
-            <a:schemeClr val="accent1"/>
-          </a:lnRef>
-          <a:fillRef idx="0">
-            <a:schemeClr val="accent1"/>
-          </a:fillRef>
-          <a:effectRef idx="0">
-            <a:schemeClr val="accent1"/>
-          </a:effectRef>
-          <a:fontRef idx="minor">
-            <a:schemeClr val="tx1"/>
-          </a:fontRef>
-        </p:style>
-      </p:cxnSp>
-      <p:cxnSp>
-        <p:nvCxnSpPr>
-          <p:cNvPr id="34" name="Прямая со стрелкой 33"/>
-          <p:cNvCxnSpPr>
-            <a:stCxn id="32" idx="2"/>
-          </p:cNvCxnSpPr>
-          <p:nvPr/>
-        </p:nvCxnSpPr>
-        <p:spPr>
-          <a:xfrm>
-            <a:off x="2579401" y="1688118"/>
-            <a:ext cx="233237" cy="738719"/>
-          </a:xfrm>
-          <a:prstGeom prst="straightConnector1">
-            <a:avLst/>
-          </a:prstGeom>
-          <a:ln>
-            <a:tailEnd type="triangle"/>
-          </a:ln>
-        </p:spPr>
-        <p:style>
-          <a:lnRef idx="1">
-            <a:schemeClr val="accent1"/>
-          </a:lnRef>
-          <a:fillRef idx="0">
-            <a:schemeClr val="accent1"/>
-          </a:fillRef>
-          <a:effectRef idx="0">
-            <a:schemeClr val="accent1"/>
-          </a:effectRef>
-          <a:fontRef idx="minor">
-            <a:schemeClr val="tx1"/>
-          </a:fontRef>
-        </p:style>
-      </p:cxnSp>
-      <p:cxnSp>
-        <p:nvCxnSpPr>
-          <p:cNvPr id="35" name="Прямая со стрелкой 34"/>
-          <p:cNvCxnSpPr>
-            <a:stCxn id="33" idx="2"/>
-          </p:cNvCxnSpPr>
-          <p:nvPr/>
-        </p:nvCxnSpPr>
-        <p:spPr>
-          <a:xfrm flipH="1">
-            <a:off x="3288839" y="1477870"/>
-            <a:ext cx="33517" cy="907255"/>
-          </a:xfrm>
-          <a:prstGeom prst="straightConnector1">
-            <a:avLst/>
-          </a:prstGeom>
-          <a:ln>
-            <a:tailEnd type="triangle"/>
-          </a:ln>
-        </p:spPr>
-        <p:style>
-          <a:lnRef idx="1">
-            <a:schemeClr val="accent1"/>
-          </a:lnRef>
-          <a:fillRef idx="0">
-            <a:schemeClr val="accent1"/>
-          </a:fillRef>
-          <a:effectRef idx="0">
-            <a:schemeClr val="accent1"/>
-          </a:effectRef>
-          <a:fontRef idx="minor">
-            <a:schemeClr val="tx1"/>
-          </a:fontRef>
-        </p:style>
-      </p:cxnSp>
-      <p:sp>
-        <p:nvSpPr>
-          <p:cNvPr id="28" name="TextBox 27"/>
-          <p:cNvSpPr txBox="1"/>
-          <p:nvPr/>
-        </p:nvSpPr>
-        <p:spPr>
-          <a:xfrm>
-            <a:off x="373470" y="1551889"/>
-            <a:ext cx="1367204" cy="261610"/>
-          </a:xfrm>
-          <a:prstGeom prst="rect">
-            <a:avLst/>
-          </a:prstGeom>
-          <a:noFill/>
-        </p:spPr>
-        <p:txBody>
-          <a:bodyPr wrap="square" rtlCol="0">
-            <a:spAutoFit/>
-          </a:bodyPr>
-          <a:lstStyle/>
-          <a:p>
-            <a:pPr algn="ctr"/>
-            <a:r>
-              <a:rPr lang="ru-RU" sz="1100" b="1" i="1" dirty="0">
-                <a:solidFill>
-                  <a:schemeClr val="accent1"/>
-                </a:solidFill>
-                <a:latin typeface="Source Sans Pro" panose="020B0604020202020204" charset="0"/>
-              </a:rPr>
-              <a:t>с</a:t>
-            </a:r>
-            <a:r>
-              <a:rPr lang="ru-RU" sz="1100" b="1" i="1" dirty="0" smtClean="0">
-                <a:solidFill>
-                  <a:schemeClr val="accent1"/>
-                </a:solidFill>
-                <a:latin typeface="Source Sans Pro" panose="020B0604020202020204" charset="0"/>
-              </a:rPr>
-              <a:t>лабая атака</a:t>
-            </a:r>
-            <a:endParaRPr lang="ru-RU" sz="1100" b="1" i="1" dirty="0">
-              <a:solidFill>
-                <a:schemeClr val="accent1"/>
-              </a:solidFill>
-              <a:latin typeface="Source Sans Pro" panose="020B0604020202020204" charset="0"/>
-            </a:endParaRPr>
-          </a:p>
-        </p:txBody>
-      </p:sp>
-      <p:sp>
-        <p:nvSpPr>
-          <p:cNvPr id="31" name="TextBox 30"/>
-          <p:cNvSpPr txBox="1"/>
-          <p:nvPr/>
-        </p:nvSpPr>
-        <p:spPr>
-          <a:xfrm>
-            <a:off x="1115560" y="1301127"/>
-            <a:ext cx="1139668" cy="261610"/>
-          </a:xfrm>
-          <a:prstGeom prst="rect">
-            <a:avLst/>
-          </a:prstGeom>
-          <a:noFill/>
-        </p:spPr>
-        <p:txBody>
-          <a:bodyPr wrap="square" rtlCol="0">
-            <a:spAutoFit/>
-          </a:bodyPr>
-          <a:lstStyle/>
-          <a:p>
-            <a:pPr algn="ctr"/>
-            <a:r>
-              <a:rPr lang="ru-RU" sz="1100" b="1" i="1" dirty="0">
-                <a:solidFill>
-                  <a:schemeClr val="accent1"/>
-                </a:solidFill>
-                <a:latin typeface="Source Sans Pro" panose="020B0604020202020204" charset="0"/>
-              </a:rPr>
-              <a:t>с</a:t>
-            </a:r>
-            <a:r>
-              <a:rPr lang="ru-RU" sz="1100" b="1" i="1" dirty="0" smtClean="0">
-                <a:solidFill>
-                  <a:schemeClr val="accent1"/>
-                </a:solidFill>
-                <a:latin typeface="Source Sans Pro" panose="020B0604020202020204" charset="0"/>
-              </a:rPr>
-              <a:t>редняя атака</a:t>
-            </a:r>
-          </a:p>
-        </p:txBody>
-      </p:sp>
-      <p:sp>
-        <p:nvSpPr>
-          <p:cNvPr id="32" name="TextBox 31"/>
-          <p:cNvSpPr txBox="1"/>
-          <p:nvPr/>
-        </p:nvSpPr>
-        <p:spPr>
-          <a:xfrm>
-            <a:off x="2022998" y="1426508"/>
-            <a:ext cx="1112805" cy="261610"/>
-          </a:xfrm>
-          <a:prstGeom prst="rect">
-            <a:avLst/>
-          </a:prstGeom>
-          <a:noFill/>
-        </p:spPr>
-        <p:txBody>
-          <a:bodyPr wrap="none" rtlCol="0">
-            <a:spAutoFit/>
-          </a:bodyPr>
-          <a:lstStyle/>
-          <a:p>
-            <a:r>
-              <a:rPr lang="ru-RU" sz="1100" b="1" i="1" dirty="0">
-                <a:solidFill>
-                  <a:schemeClr val="accent1"/>
-                </a:solidFill>
-                <a:latin typeface="Source Sans Pro" panose="020B0604020202020204" charset="0"/>
-              </a:rPr>
-              <a:t>с</a:t>
-            </a:r>
-            <a:r>
-              <a:rPr lang="ru-RU" sz="1100" b="1" i="1" dirty="0" smtClean="0">
-                <a:solidFill>
-                  <a:schemeClr val="accent1"/>
-                </a:solidFill>
-                <a:latin typeface="Source Sans Pro" panose="020B0604020202020204" charset="0"/>
-              </a:rPr>
-              <a:t>ильная атака</a:t>
-            </a:r>
-          </a:p>
-        </p:txBody>
-      </p:sp>
-      <p:sp>
-        <p:nvSpPr>
-          <p:cNvPr id="33" name="TextBox 32"/>
-          <p:cNvSpPr txBox="1"/>
-          <p:nvPr/>
-        </p:nvSpPr>
-        <p:spPr>
-          <a:xfrm>
-            <a:off x="2568416" y="1216260"/>
-            <a:ext cx="1507880" cy="261610"/>
-          </a:xfrm>
-          <a:prstGeom prst="rect">
-            <a:avLst/>
-          </a:prstGeom>
-          <a:noFill/>
-        </p:spPr>
-        <p:txBody>
-          <a:bodyPr wrap="square" rtlCol="0">
-            <a:spAutoFit/>
-          </a:bodyPr>
-          <a:lstStyle/>
-          <a:p>
-            <a:pPr algn="ctr"/>
-            <a:r>
-              <a:rPr lang="ru-RU" sz="1100" b="1" i="1" dirty="0">
-                <a:solidFill>
-                  <a:schemeClr val="accent1"/>
-                </a:solidFill>
-                <a:latin typeface="Source Sans Pro" panose="020B0604020202020204" charset="0"/>
-              </a:rPr>
-              <a:t>н</a:t>
-            </a:r>
-            <a:r>
-              <a:rPr lang="ru-RU" sz="1100" b="1" i="1" dirty="0" smtClean="0">
-                <a:solidFill>
-                  <a:schemeClr val="accent1"/>
-                </a:solidFill>
-                <a:latin typeface="Source Sans Pro" panose="020B0604020202020204" charset="0"/>
-              </a:rPr>
-              <a:t>изкая атака</a:t>
-            </a:r>
-          </a:p>
-        </p:txBody>
-      </p:sp>
-      <p:sp>
-        <p:nvSpPr>
-          <p:cNvPr id="46" name="TextBox 45"/>
-          <p:cNvSpPr txBox="1"/>
-          <p:nvPr/>
-        </p:nvSpPr>
-        <p:spPr>
-          <a:xfrm>
-            <a:off x="395539" y="2270703"/>
-            <a:ext cx="782516" cy="261610"/>
-          </a:xfrm>
-          <a:prstGeom prst="rect">
-            <a:avLst/>
-          </a:prstGeom>
-          <a:noFill/>
-        </p:spPr>
-        <p:txBody>
-          <a:bodyPr wrap="square" rtlCol="0">
-            <a:spAutoFit/>
-          </a:bodyPr>
-          <a:lstStyle/>
-          <a:p>
-            <a:pPr algn="ctr"/>
-            <a:r>
-              <a:rPr lang="ru-RU" sz="1100" b="1" i="1" dirty="0">
-                <a:solidFill>
-                  <a:schemeClr val="accent1"/>
-                </a:solidFill>
-                <a:latin typeface="Source Sans Pro" panose="020B0604020202020204" charset="0"/>
-              </a:rPr>
-              <a:t>п</a:t>
-            </a:r>
-            <a:r>
-              <a:rPr lang="ru-RU" sz="1100" b="1" i="1" dirty="0" smtClean="0">
-                <a:solidFill>
-                  <a:schemeClr val="accent1"/>
-                </a:solidFill>
-                <a:latin typeface="Source Sans Pro" panose="020B0604020202020204" charset="0"/>
-              </a:rPr>
-              <a:t>рыжок</a:t>
-            </a:r>
-          </a:p>
-        </p:txBody>
-      </p:sp>
-      <p:sp>
-        <p:nvSpPr>
-          <p:cNvPr id="47" name="TextBox 46"/>
-          <p:cNvSpPr txBox="1"/>
-          <p:nvPr/>
-        </p:nvSpPr>
-        <p:spPr>
-          <a:xfrm>
-            <a:off x="241788" y="2835899"/>
-            <a:ext cx="1033098" cy="430887"/>
-          </a:xfrm>
-          <a:prstGeom prst="rect">
-            <a:avLst/>
-          </a:prstGeom>
-          <a:noFill/>
-        </p:spPr>
-        <p:txBody>
-          <a:bodyPr wrap="square" rtlCol="0">
-            <a:spAutoFit/>
-          </a:bodyPr>
-          <a:lstStyle/>
-          <a:p>
-            <a:pPr algn="ctr"/>
-            <a:r>
-              <a:rPr lang="ru-RU" sz="1100" b="1" i="1" dirty="0">
-                <a:solidFill>
-                  <a:schemeClr val="accent1"/>
-                </a:solidFill>
-                <a:latin typeface="Source Sans Pro" panose="020B0604020202020204" charset="0"/>
-              </a:rPr>
-              <a:t>д</a:t>
-            </a:r>
-            <a:r>
-              <a:rPr lang="ru-RU" sz="1100" b="1" i="1" dirty="0" smtClean="0">
-                <a:solidFill>
-                  <a:schemeClr val="accent1"/>
-                </a:solidFill>
-                <a:latin typeface="Source Sans Pro" panose="020B0604020202020204" charset="0"/>
-              </a:rPr>
-              <a:t>вижение </a:t>
-            </a:r>
-          </a:p>
-          <a:p>
-            <a:pPr algn="ctr"/>
-            <a:r>
-              <a:rPr lang="ru-RU" sz="1100" b="1" i="1" dirty="0" smtClean="0">
-                <a:solidFill>
-                  <a:schemeClr val="accent1"/>
-                </a:solidFill>
-                <a:latin typeface="Source Sans Pro" panose="020B0604020202020204" charset="0"/>
-              </a:rPr>
-              <a:t>вправо/влево</a:t>
-            </a:r>
-            <a:endParaRPr lang="ru-RU" sz="1100" b="1" i="1" dirty="0">
-              <a:solidFill>
-                <a:schemeClr val="accent1"/>
-              </a:solidFill>
-              <a:latin typeface="Source Sans Pro" panose="020B0604020202020204" charset="0"/>
-            </a:endParaRPr>
-          </a:p>
-        </p:txBody>
-      </p:sp>
-      <p:sp>
-        <p:nvSpPr>
-          <p:cNvPr id="48" name="TextBox 47"/>
-          <p:cNvSpPr txBox="1"/>
-          <p:nvPr/>
-        </p:nvSpPr>
-        <p:spPr>
-          <a:xfrm>
-            <a:off x="373470" y="3629682"/>
-            <a:ext cx="957210" cy="261610"/>
-          </a:xfrm>
-          <a:prstGeom prst="rect">
-            <a:avLst/>
-          </a:prstGeom>
-          <a:noFill/>
-        </p:spPr>
-        <p:txBody>
-          <a:bodyPr wrap="square" rtlCol="0">
-            <a:spAutoFit/>
-          </a:bodyPr>
-          <a:lstStyle/>
-          <a:p>
-            <a:pPr algn="ctr"/>
-            <a:r>
-              <a:rPr lang="ru-RU" sz="1100" b="1" i="1" dirty="0">
-                <a:solidFill>
-                  <a:schemeClr val="accent1"/>
-                </a:solidFill>
-                <a:latin typeface="Source Sans Pro" panose="020B0604020202020204" charset="0"/>
-              </a:rPr>
-              <a:t>п</a:t>
-            </a:r>
-            <a:r>
-              <a:rPr lang="ru-RU" sz="1100" b="1" i="1" dirty="0" smtClean="0">
-                <a:solidFill>
-                  <a:schemeClr val="accent1"/>
-                </a:solidFill>
-                <a:latin typeface="Source Sans Pro" panose="020B0604020202020204" charset="0"/>
-              </a:rPr>
-              <a:t>ригибание</a:t>
-            </a:r>
-            <a:endParaRPr lang="ru-RU" sz="1100" b="1" i="1" dirty="0">
-              <a:solidFill>
-                <a:schemeClr val="accent1"/>
-              </a:solidFill>
-              <a:latin typeface="Source Sans Pro" panose="020B0604020202020204" charset="0"/>
-            </a:endParaRPr>
-          </a:p>
-        </p:txBody>
-      </p:sp>
-      <p:cxnSp>
-        <p:nvCxnSpPr>
-          <p:cNvPr id="50" name="Прямая со стрелкой 49"/>
-          <p:cNvCxnSpPr>
-            <a:stCxn id="46" idx="2"/>
-          </p:cNvCxnSpPr>
-          <p:nvPr/>
-        </p:nvCxnSpPr>
-        <p:spPr>
-          <a:xfrm>
-            <a:off x="786797" y="2532313"/>
-            <a:ext cx="1859688" cy="250667"/>
-          </a:xfrm>
-          <a:prstGeom prst="straightConnector1">
-            <a:avLst/>
-          </a:prstGeom>
-          <a:ln>
-            <a:tailEnd type="triangle"/>
-          </a:ln>
-        </p:spPr>
-        <p:style>
-          <a:lnRef idx="1">
-            <a:schemeClr val="accent1"/>
-          </a:lnRef>
-          <a:fillRef idx="0">
-            <a:schemeClr val="accent1"/>
-          </a:fillRef>
-          <a:effectRef idx="0">
-            <a:schemeClr val="accent1"/>
-          </a:effectRef>
-          <a:fontRef idx="minor">
-            <a:schemeClr val="tx1"/>
-          </a:fontRef>
-        </p:style>
-      </p:cxnSp>
-      <p:cxnSp>
-        <p:nvCxnSpPr>
-          <p:cNvPr id="59" name="Прямая со стрелкой 58"/>
-          <p:cNvCxnSpPr>
-            <a:stCxn id="47" idx="3"/>
-          </p:cNvCxnSpPr>
-          <p:nvPr/>
-        </p:nvCxnSpPr>
-        <p:spPr>
-          <a:xfrm>
-            <a:off x="1274886" y="3051343"/>
-            <a:ext cx="1085849" cy="158682"/>
-          </a:xfrm>
-          <a:prstGeom prst="straightConnector1">
-            <a:avLst/>
-          </a:prstGeom>
-          <a:ln>
-            <a:tailEnd type="triangle"/>
-          </a:ln>
-        </p:spPr>
-        <p:style>
-          <a:lnRef idx="1">
-            <a:schemeClr val="accent1"/>
-          </a:lnRef>
-          <a:fillRef idx="0">
-            <a:schemeClr val="accent1"/>
-          </a:fillRef>
-          <a:effectRef idx="0">
-            <a:schemeClr val="accent1"/>
-          </a:effectRef>
-          <a:fontRef idx="minor">
-            <a:schemeClr val="tx1"/>
-          </a:fontRef>
-        </p:style>
-      </p:cxnSp>
-      <p:cxnSp>
-        <p:nvCxnSpPr>
-          <p:cNvPr id="62" name="Прямая со стрелкой 61"/>
-          <p:cNvCxnSpPr>
-            <a:stCxn id="47" idx="3"/>
-          </p:cNvCxnSpPr>
-          <p:nvPr/>
-        </p:nvCxnSpPr>
-        <p:spPr>
-          <a:xfrm>
-            <a:off x="1274886" y="3051343"/>
-            <a:ext cx="1860917" cy="158682"/>
-          </a:xfrm>
-          <a:prstGeom prst="straightConnector1">
-            <a:avLst/>
-          </a:prstGeom>
-          <a:ln>
-            <a:tailEnd type="triangle"/>
-          </a:ln>
-        </p:spPr>
-        <p:style>
-          <a:lnRef idx="1">
-            <a:schemeClr val="accent1"/>
-          </a:lnRef>
-          <a:fillRef idx="0">
-            <a:schemeClr val="accent1"/>
-          </a:fillRef>
-          <a:effectRef idx="0">
-            <a:schemeClr val="accent1"/>
-          </a:effectRef>
-          <a:fontRef idx="minor">
-            <a:schemeClr val="tx1"/>
-          </a:fontRef>
-        </p:style>
-      </p:cxnSp>
-      <p:cxnSp>
-        <p:nvCxnSpPr>
-          <p:cNvPr id="64" name="Прямая со стрелкой 63"/>
-          <p:cNvCxnSpPr>
-            <a:stCxn id="48" idx="3"/>
-          </p:cNvCxnSpPr>
-          <p:nvPr/>
-        </p:nvCxnSpPr>
-        <p:spPr>
-          <a:xfrm flipV="1">
-            <a:off x="1330680" y="3279262"/>
-            <a:ext cx="1443293" cy="481225"/>
-          </a:xfrm>
-          <a:prstGeom prst="straightConnector1">
-            <a:avLst/>
-          </a:prstGeom>
-          <a:ln>
-            <a:tailEnd type="triangle"/>
-          </a:ln>
-        </p:spPr>
-        <p:style>
-          <a:lnRef idx="1">
-            <a:schemeClr val="accent1"/>
-          </a:lnRef>
-          <a:fillRef idx="0">
-            <a:schemeClr val="accent1"/>
-          </a:fillRef>
-          <a:effectRef idx="0">
-            <a:schemeClr val="accent1"/>
-          </a:effectRef>
-          <a:fontRef idx="minor">
-            <a:schemeClr val="tx1"/>
-          </a:fontRef>
-        </p:style>
-      </p:cxnSp>
-      <p:cxnSp>
-        <p:nvCxnSpPr>
-          <p:cNvPr id="104" name="Прямая со стрелкой 103"/>
-          <p:cNvCxnSpPr>
-            <a:stCxn id="108" idx="2"/>
-          </p:cNvCxnSpPr>
-          <p:nvPr/>
-        </p:nvCxnSpPr>
-        <p:spPr>
-          <a:xfrm>
-            <a:off x="4367822" y="1837592"/>
-            <a:ext cx="80272" cy="558161"/>
-          </a:xfrm>
-          <a:prstGeom prst="straightConnector1">
-            <a:avLst/>
-          </a:prstGeom>
-          <a:ln>
-            <a:solidFill>
-              <a:schemeClr val="accent6">
-                <a:lumMod val="60000"/>
-                <a:lumOff val="40000"/>
-              </a:schemeClr>
-            </a:solidFill>
-            <a:tailEnd type="triangle"/>
-          </a:ln>
-        </p:spPr>
-        <p:style>
-          <a:lnRef idx="1">
-            <a:schemeClr val="accent1"/>
-          </a:lnRef>
-          <a:fillRef idx="0">
-            <a:schemeClr val="accent1"/>
-          </a:fillRef>
-          <a:effectRef idx="0">
-            <a:schemeClr val="accent1"/>
-          </a:effectRef>
-          <a:fontRef idx="minor">
-            <a:schemeClr val="tx1"/>
-          </a:fontRef>
-        </p:style>
-      </p:cxnSp>
-      <p:cxnSp>
-        <p:nvCxnSpPr>
-          <p:cNvPr id="105" name="Прямая со стрелкой 104"/>
-          <p:cNvCxnSpPr>
-            <a:stCxn id="109" idx="2"/>
-          </p:cNvCxnSpPr>
-          <p:nvPr/>
-        </p:nvCxnSpPr>
-        <p:spPr>
-          <a:xfrm flipH="1">
-            <a:off x="4872727" y="1585379"/>
-            <a:ext cx="217913" cy="826659"/>
-          </a:xfrm>
-          <a:prstGeom prst="straightConnector1">
-            <a:avLst/>
-          </a:prstGeom>
-          <a:ln>
-            <a:solidFill>
-              <a:schemeClr val="bg2">
-                <a:lumMod val="60000"/>
-                <a:lumOff val="40000"/>
-              </a:schemeClr>
-            </a:solidFill>
-            <a:tailEnd type="triangle"/>
-          </a:ln>
-        </p:spPr>
-        <p:style>
-          <a:lnRef idx="1">
-            <a:schemeClr val="accent1"/>
-          </a:lnRef>
-          <a:fillRef idx="0">
-            <a:schemeClr val="accent1"/>
-          </a:fillRef>
-          <a:effectRef idx="0">
-            <a:schemeClr val="accent1"/>
-          </a:effectRef>
-          <a:fontRef idx="minor">
-            <a:schemeClr val="tx1"/>
-          </a:fontRef>
-        </p:style>
-      </p:cxnSp>
-      <p:cxnSp>
-        <p:nvCxnSpPr>
-          <p:cNvPr id="106" name="Прямая со стрелкой 105"/>
-          <p:cNvCxnSpPr>
-            <a:stCxn id="110" idx="2"/>
-          </p:cNvCxnSpPr>
-          <p:nvPr/>
-        </p:nvCxnSpPr>
-        <p:spPr>
-          <a:xfrm flipH="1">
-            <a:off x="5250681" y="1837592"/>
-            <a:ext cx="517187" cy="574446"/>
-          </a:xfrm>
-          <a:prstGeom prst="straightConnector1">
-            <a:avLst/>
-          </a:prstGeom>
-          <a:ln>
-            <a:solidFill>
-              <a:schemeClr val="bg2">
-                <a:lumMod val="60000"/>
-                <a:lumOff val="40000"/>
-              </a:schemeClr>
-            </a:solidFill>
-            <a:tailEnd type="triangle"/>
-          </a:ln>
-        </p:spPr>
-        <p:style>
-          <a:lnRef idx="1">
-            <a:schemeClr val="accent1"/>
-          </a:lnRef>
-          <a:fillRef idx="0">
-            <a:schemeClr val="accent1"/>
-          </a:fillRef>
-          <a:effectRef idx="0">
-            <a:schemeClr val="accent1"/>
-          </a:effectRef>
-          <a:fontRef idx="minor">
-            <a:schemeClr val="tx1"/>
-          </a:fontRef>
-        </p:style>
-      </p:cxnSp>
-      <p:cxnSp>
-        <p:nvCxnSpPr>
-          <p:cNvPr id="107" name="Прямая со стрелкой 106"/>
-          <p:cNvCxnSpPr>
-            <a:stCxn id="111" idx="2"/>
-          </p:cNvCxnSpPr>
-          <p:nvPr/>
-        </p:nvCxnSpPr>
-        <p:spPr>
-          <a:xfrm flipH="1">
-            <a:off x="5652064" y="1568800"/>
-            <a:ext cx="876163" cy="855639"/>
-          </a:xfrm>
-          <a:prstGeom prst="straightConnector1">
-            <a:avLst/>
-          </a:prstGeom>
-          <a:ln>
-            <a:solidFill>
-              <a:schemeClr val="tx2">
-                <a:lumMod val="75000"/>
-              </a:schemeClr>
-            </a:solidFill>
-            <a:tailEnd type="triangle"/>
-          </a:ln>
-        </p:spPr>
-        <p:style>
-          <a:lnRef idx="1">
-            <a:schemeClr val="accent1"/>
-          </a:lnRef>
-          <a:fillRef idx="0">
-            <a:schemeClr val="accent1"/>
-          </a:fillRef>
-          <a:effectRef idx="0">
-            <a:schemeClr val="accent1"/>
-          </a:effectRef>
-          <a:fontRef idx="minor">
-            <a:schemeClr val="tx1"/>
-          </a:fontRef>
-        </p:style>
-      </p:cxnSp>
-      <p:sp>
-        <p:nvSpPr>
-          <p:cNvPr id="108" name="TextBox 107"/>
-          <p:cNvSpPr txBox="1"/>
-          <p:nvPr/>
-        </p:nvSpPr>
-        <p:spPr>
-          <a:xfrm>
-            <a:off x="3684220" y="1575982"/>
-            <a:ext cx="1367204" cy="261610"/>
-          </a:xfrm>
-          <a:prstGeom prst="rect">
-            <a:avLst/>
-          </a:prstGeom>
-          <a:noFill/>
-        </p:spPr>
-        <p:txBody>
-          <a:bodyPr wrap="square" rtlCol="0">
-            <a:spAutoFit/>
-          </a:bodyPr>
-          <a:lstStyle/>
-          <a:p>
-            <a:pPr algn="ctr"/>
-            <a:r>
-              <a:rPr lang="ru-RU" sz="1100" b="1" i="1" dirty="0">
-                <a:solidFill>
-                  <a:schemeClr val="bg2">
-                    <a:lumMod val="60000"/>
-                    <a:lumOff val="40000"/>
-                  </a:schemeClr>
-                </a:solidFill>
-                <a:latin typeface="Source Sans Pro" panose="020B0604020202020204" charset="0"/>
-              </a:rPr>
-              <a:t>с</a:t>
-            </a:r>
-            <a:r>
-              <a:rPr lang="ru-RU" sz="1100" b="1" i="1" dirty="0" smtClean="0">
-                <a:solidFill>
-                  <a:schemeClr val="bg2">
-                    <a:lumMod val="60000"/>
-                    <a:lumOff val="40000"/>
-                  </a:schemeClr>
-                </a:solidFill>
-                <a:latin typeface="Source Sans Pro" panose="020B0604020202020204" charset="0"/>
-              </a:rPr>
-              <a:t>лабая атака</a:t>
-            </a:r>
-            <a:endParaRPr lang="ru-RU" sz="1100" b="1" i="1" dirty="0">
-              <a:solidFill>
-                <a:schemeClr val="bg2">
-                  <a:lumMod val="60000"/>
-                  <a:lumOff val="40000"/>
-                </a:schemeClr>
-              </a:solidFill>
-              <a:latin typeface="Source Sans Pro" panose="020B0604020202020204" charset="0"/>
-            </a:endParaRPr>
-          </a:p>
-        </p:txBody>
-      </p:sp>
-      <p:sp>
-        <p:nvSpPr>
-          <p:cNvPr id="109" name="TextBox 108"/>
-          <p:cNvSpPr txBox="1"/>
-          <p:nvPr/>
-        </p:nvSpPr>
-        <p:spPr>
-          <a:xfrm>
-            <a:off x="4520806" y="1323769"/>
-            <a:ext cx="1139668" cy="261610"/>
-          </a:xfrm>
-          <a:prstGeom prst="rect">
-            <a:avLst/>
-          </a:prstGeom>
-          <a:noFill/>
-        </p:spPr>
-        <p:txBody>
-          <a:bodyPr wrap="square" rtlCol="0">
-            <a:spAutoFit/>
-          </a:bodyPr>
-          <a:lstStyle/>
-          <a:p>
-            <a:pPr algn="ctr"/>
-            <a:r>
-              <a:rPr lang="ru-RU" sz="1100" b="1" i="1" dirty="0">
-                <a:solidFill>
-                  <a:schemeClr val="bg2">
-                    <a:lumMod val="60000"/>
-                    <a:lumOff val="40000"/>
-                  </a:schemeClr>
-                </a:solidFill>
-                <a:latin typeface="Source Sans Pro" panose="020B0604020202020204" charset="0"/>
-              </a:rPr>
-              <a:t>с</a:t>
-            </a:r>
-            <a:r>
-              <a:rPr lang="ru-RU" sz="1100" b="1" i="1" dirty="0" smtClean="0">
-                <a:solidFill>
-                  <a:schemeClr val="bg2">
-                    <a:lumMod val="60000"/>
-                    <a:lumOff val="40000"/>
-                  </a:schemeClr>
-                </a:solidFill>
-                <a:latin typeface="Source Sans Pro" panose="020B0604020202020204" charset="0"/>
-              </a:rPr>
-              <a:t>редняя атака</a:t>
-            </a:r>
-          </a:p>
-        </p:txBody>
-      </p:sp>
-      <p:sp>
-        <p:nvSpPr>
-          <p:cNvPr id="110" name="TextBox 109"/>
-          <p:cNvSpPr txBox="1"/>
-          <p:nvPr/>
-        </p:nvSpPr>
-        <p:spPr>
-          <a:xfrm>
-            <a:off x="5211465" y="1575982"/>
-            <a:ext cx="1112805" cy="261610"/>
-          </a:xfrm>
-          <a:prstGeom prst="rect">
-            <a:avLst/>
-          </a:prstGeom>
-          <a:noFill/>
-        </p:spPr>
-        <p:txBody>
-          <a:bodyPr wrap="none" rtlCol="0">
-            <a:spAutoFit/>
-          </a:bodyPr>
-          <a:lstStyle/>
-          <a:p>
-            <a:r>
-              <a:rPr lang="ru-RU" sz="1100" b="1" i="1" dirty="0">
-                <a:solidFill>
-                  <a:schemeClr val="bg2">
-                    <a:lumMod val="60000"/>
-                    <a:lumOff val="40000"/>
-                  </a:schemeClr>
-                </a:solidFill>
-                <a:latin typeface="Source Sans Pro" panose="020B0604020202020204" charset="0"/>
-              </a:rPr>
-              <a:t>с</a:t>
-            </a:r>
-            <a:r>
-              <a:rPr lang="ru-RU" sz="1100" b="1" i="1" dirty="0" smtClean="0">
-                <a:solidFill>
-                  <a:schemeClr val="bg2">
-                    <a:lumMod val="60000"/>
-                    <a:lumOff val="40000"/>
-                  </a:schemeClr>
-                </a:solidFill>
-                <a:latin typeface="Source Sans Pro" panose="020B0604020202020204" charset="0"/>
-              </a:rPr>
-              <a:t>ильная атака</a:t>
-            </a:r>
-          </a:p>
-        </p:txBody>
-      </p:sp>
-      <p:sp>
-        <p:nvSpPr>
-          <p:cNvPr id="111" name="TextBox 110"/>
-          <p:cNvSpPr txBox="1"/>
-          <p:nvPr/>
-        </p:nvSpPr>
-        <p:spPr>
-          <a:xfrm>
-            <a:off x="5949887" y="1307190"/>
-            <a:ext cx="1156680" cy="261610"/>
-          </a:xfrm>
-          <a:prstGeom prst="rect">
-            <a:avLst/>
-          </a:prstGeom>
-          <a:noFill/>
-        </p:spPr>
-        <p:txBody>
-          <a:bodyPr wrap="square" rtlCol="0">
-            <a:spAutoFit/>
-          </a:bodyPr>
-          <a:lstStyle/>
-          <a:p>
-            <a:pPr algn="ctr"/>
-            <a:r>
-              <a:rPr lang="ru-RU" sz="1100" b="1" i="1" dirty="0">
-                <a:solidFill>
-                  <a:schemeClr val="bg2">
-                    <a:lumMod val="60000"/>
-                    <a:lumOff val="40000"/>
-                  </a:schemeClr>
-                </a:solidFill>
-                <a:latin typeface="Source Sans Pro" panose="020B0604020202020204" charset="0"/>
-              </a:rPr>
-              <a:t>н</a:t>
-            </a:r>
-            <a:r>
-              <a:rPr lang="ru-RU" sz="1100" b="1" i="1" dirty="0" smtClean="0">
-                <a:solidFill>
-                  <a:schemeClr val="bg2">
-                    <a:lumMod val="60000"/>
-                    <a:lumOff val="40000"/>
-                  </a:schemeClr>
-                </a:solidFill>
-                <a:latin typeface="Source Sans Pro" panose="020B0604020202020204" charset="0"/>
-              </a:rPr>
-              <a:t>изкая атака</a:t>
-            </a:r>
-          </a:p>
-        </p:txBody>
-      </p:sp>
-      <p:sp>
-        <p:nvSpPr>
-          <p:cNvPr id="112" name="TextBox 111"/>
-          <p:cNvSpPr txBox="1"/>
-          <p:nvPr/>
-        </p:nvSpPr>
-        <p:spPr>
-          <a:xfrm>
-            <a:off x="7597946" y="2274823"/>
-            <a:ext cx="782516" cy="261610"/>
-          </a:xfrm>
-          <a:prstGeom prst="rect">
-            <a:avLst/>
-          </a:prstGeom>
-          <a:noFill/>
-        </p:spPr>
-        <p:txBody>
-          <a:bodyPr wrap="square" rtlCol="0">
-            <a:spAutoFit/>
-          </a:bodyPr>
-          <a:lstStyle/>
-          <a:p>
-            <a:pPr algn="ctr"/>
-            <a:r>
-              <a:rPr lang="ru-RU" sz="1100" b="1" i="1" dirty="0">
-                <a:solidFill>
-                  <a:schemeClr val="bg2">
-                    <a:lumMod val="60000"/>
-                    <a:lumOff val="40000"/>
-                  </a:schemeClr>
-                </a:solidFill>
-                <a:latin typeface="Source Sans Pro" panose="020B0604020202020204" charset="0"/>
-              </a:rPr>
-              <a:t>п</a:t>
-            </a:r>
-            <a:r>
-              <a:rPr lang="ru-RU" sz="1100" b="1" i="1" dirty="0" smtClean="0">
-                <a:solidFill>
-                  <a:schemeClr val="bg2">
-                    <a:lumMod val="60000"/>
-                    <a:lumOff val="40000"/>
-                  </a:schemeClr>
-                </a:solidFill>
-                <a:latin typeface="Source Sans Pro" panose="020B0604020202020204" charset="0"/>
-              </a:rPr>
-              <a:t>рыжок</a:t>
-            </a:r>
-          </a:p>
-        </p:txBody>
-      </p:sp>
-      <p:sp>
-        <p:nvSpPr>
-          <p:cNvPr id="113" name="TextBox 112"/>
-          <p:cNvSpPr txBox="1"/>
-          <p:nvPr/>
-        </p:nvSpPr>
-        <p:spPr>
-          <a:xfrm>
-            <a:off x="7672570" y="2847269"/>
-            <a:ext cx="1140316" cy="430887"/>
-          </a:xfrm>
-          <a:prstGeom prst="rect">
-            <a:avLst/>
-          </a:prstGeom>
-          <a:noFill/>
-        </p:spPr>
-        <p:txBody>
-          <a:bodyPr wrap="square" rtlCol="0">
-            <a:spAutoFit/>
-          </a:bodyPr>
-          <a:lstStyle/>
-          <a:p>
-            <a:pPr algn="ctr"/>
-            <a:r>
-              <a:rPr lang="ru-RU" sz="1100" b="1" i="1" dirty="0">
-                <a:solidFill>
-                  <a:schemeClr val="bg2">
-                    <a:lumMod val="60000"/>
-                    <a:lumOff val="40000"/>
-                  </a:schemeClr>
-                </a:solidFill>
-                <a:latin typeface="Source Sans Pro" panose="020B0604020202020204" charset="0"/>
-              </a:rPr>
-              <a:t>д</a:t>
-            </a:r>
-            <a:r>
-              <a:rPr lang="ru-RU" sz="1100" b="1" i="1" dirty="0" smtClean="0">
-                <a:solidFill>
-                  <a:schemeClr val="bg2">
-                    <a:lumMod val="60000"/>
-                    <a:lumOff val="40000"/>
-                  </a:schemeClr>
-                </a:solidFill>
-                <a:latin typeface="Source Sans Pro" panose="020B0604020202020204" charset="0"/>
-              </a:rPr>
-              <a:t>вижение</a:t>
-            </a:r>
-          </a:p>
-          <a:p>
-            <a:pPr algn="ctr"/>
-            <a:r>
-              <a:rPr lang="ru-RU" sz="1100" b="1" i="1" dirty="0" smtClean="0">
-                <a:solidFill>
-                  <a:schemeClr val="bg2">
-                    <a:lumMod val="60000"/>
-                    <a:lumOff val="40000"/>
-                  </a:schemeClr>
-                </a:solidFill>
-                <a:latin typeface="Source Sans Pro" panose="020B0604020202020204" charset="0"/>
-              </a:rPr>
-              <a:t> вправо/влево</a:t>
-            </a:r>
-            <a:endParaRPr lang="ru-RU" sz="1100" b="1" i="1" dirty="0">
-              <a:solidFill>
-                <a:schemeClr val="bg2">
-                  <a:lumMod val="60000"/>
-                  <a:lumOff val="40000"/>
-                </a:schemeClr>
-              </a:solidFill>
-              <a:latin typeface="Source Sans Pro" panose="020B0604020202020204" charset="0"/>
-            </a:endParaRPr>
-          </a:p>
-        </p:txBody>
-      </p:sp>
-      <p:sp>
-        <p:nvSpPr>
-          <p:cNvPr id="114" name="TextBox 113"/>
-          <p:cNvSpPr txBox="1"/>
-          <p:nvPr/>
-        </p:nvSpPr>
-        <p:spPr>
-          <a:xfrm>
-            <a:off x="7425656" y="3629682"/>
-            <a:ext cx="957210" cy="261610"/>
-          </a:xfrm>
-          <a:prstGeom prst="rect">
-            <a:avLst/>
-          </a:prstGeom>
-          <a:noFill/>
-        </p:spPr>
-        <p:txBody>
-          <a:bodyPr wrap="square" rtlCol="0">
-            <a:spAutoFit/>
-          </a:bodyPr>
-          <a:lstStyle/>
-          <a:p>
-            <a:pPr algn="ctr"/>
-            <a:r>
-              <a:rPr lang="ru-RU" sz="1100" b="1" i="1" dirty="0">
-                <a:solidFill>
-                  <a:schemeClr val="bg2">
-                    <a:lumMod val="60000"/>
-                    <a:lumOff val="40000"/>
-                  </a:schemeClr>
-                </a:solidFill>
-                <a:latin typeface="Source Sans Pro" panose="020B0604020202020204" charset="0"/>
-              </a:rPr>
-              <a:t>п</a:t>
-            </a:r>
-            <a:r>
-              <a:rPr lang="ru-RU" sz="1100" b="1" i="1" dirty="0" smtClean="0">
-                <a:solidFill>
-                  <a:schemeClr val="bg2">
-                    <a:lumMod val="60000"/>
-                    <a:lumOff val="40000"/>
-                  </a:schemeClr>
-                </a:solidFill>
-                <a:latin typeface="Source Sans Pro" panose="020B0604020202020204" charset="0"/>
-              </a:rPr>
-              <a:t>ригибание</a:t>
-            </a:r>
-            <a:endParaRPr lang="ru-RU" sz="1100" b="1" i="1" dirty="0">
-              <a:solidFill>
-                <a:schemeClr val="bg2">
-                  <a:lumMod val="60000"/>
-                  <a:lumOff val="40000"/>
-                </a:schemeClr>
-              </a:solidFill>
-              <a:latin typeface="Source Sans Pro" panose="020B0604020202020204" charset="0"/>
-            </a:endParaRPr>
-          </a:p>
-        </p:txBody>
-      </p:sp>
-      <p:cxnSp>
-        <p:nvCxnSpPr>
-          <p:cNvPr id="115" name="Прямая со стрелкой 114"/>
-          <p:cNvCxnSpPr>
-            <a:stCxn id="112" idx="2"/>
-          </p:cNvCxnSpPr>
-          <p:nvPr/>
-        </p:nvCxnSpPr>
-        <p:spPr>
-          <a:xfrm flipH="1">
-            <a:off x="5051424" y="2536433"/>
-            <a:ext cx="2937780" cy="271728"/>
-          </a:xfrm>
-          <a:prstGeom prst="straightConnector1">
-            <a:avLst/>
-          </a:prstGeom>
-          <a:ln>
-            <a:solidFill>
-              <a:schemeClr val="bg2">
-                <a:lumMod val="60000"/>
-                <a:lumOff val="40000"/>
-              </a:schemeClr>
-            </a:solidFill>
-            <a:tailEnd type="triangle"/>
-          </a:ln>
-        </p:spPr>
-        <p:style>
-          <a:lnRef idx="1">
-            <a:schemeClr val="accent1"/>
-          </a:lnRef>
-          <a:fillRef idx="0">
-            <a:schemeClr val="accent1"/>
-          </a:fillRef>
-          <a:effectRef idx="0">
-            <a:schemeClr val="accent1"/>
-          </a:effectRef>
-          <a:fontRef idx="minor">
-            <a:schemeClr val="tx1"/>
-          </a:fontRef>
-        </p:style>
-      </p:cxnSp>
-      <p:cxnSp>
-        <p:nvCxnSpPr>
-          <p:cNvPr id="116" name="Прямая со стрелкой 115"/>
-          <p:cNvCxnSpPr>
-            <a:stCxn id="113" idx="1"/>
-          </p:cNvCxnSpPr>
-          <p:nvPr/>
-        </p:nvCxnSpPr>
-        <p:spPr>
-          <a:xfrm flipH="1">
-            <a:off x="4765431" y="3062713"/>
-            <a:ext cx="2907139" cy="130419"/>
-          </a:xfrm>
-          <a:prstGeom prst="straightConnector1">
-            <a:avLst/>
-          </a:prstGeom>
-          <a:ln>
-            <a:solidFill>
-              <a:schemeClr val="bg2">
-                <a:lumMod val="60000"/>
-                <a:lumOff val="40000"/>
-              </a:schemeClr>
-            </a:solidFill>
-            <a:tailEnd type="triangle"/>
-          </a:ln>
-        </p:spPr>
-        <p:style>
-          <a:lnRef idx="1">
-            <a:schemeClr val="accent1"/>
-          </a:lnRef>
-          <a:fillRef idx="0">
-            <a:schemeClr val="accent1"/>
-          </a:fillRef>
-          <a:effectRef idx="0">
-            <a:schemeClr val="accent1"/>
-          </a:effectRef>
-          <a:fontRef idx="minor">
-            <a:schemeClr val="tx1"/>
-          </a:fontRef>
-        </p:style>
-      </p:cxnSp>
-      <p:cxnSp>
-        <p:nvCxnSpPr>
-          <p:cNvPr id="117" name="Прямая со стрелкой 116"/>
-          <p:cNvCxnSpPr>
-            <a:stCxn id="113" idx="1"/>
-          </p:cNvCxnSpPr>
-          <p:nvPr/>
-        </p:nvCxnSpPr>
-        <p:spPr>
-          <a:xfrm flipH="1">
-            <a:off x="5569927" y="3062713"/>
-            <a:ext cx="2102643" cy="147312"/>
-          </a:xfrm>
-          <a:prstGeom prst="straightConnector1">
-            <a:avLst/>
-          </a:prstGeom>
-          <a:ln>
-            <a:solidFill>
-              <a:schemeClr val="bg2">
-                <a:lumMod val="60000"/>
-                <a:lumOff val="40000"/>
-              </a:schemeClr>
-            </a:solidFill>
-            <a:tailEnd type="triangle"/>
-          </a:ln>
-        </p:spPr>
-        <p:style>
-          <a:lnRef idx="1">
-            <a:schemeClr val="accent1"/>
-          </a:lnRef>
-          <a:fillRef idx="0">
-            <a:schemeClr val="accent1"/>
-          </a:fillRef>
-          <a:effectRef idx="0">
-            <a:schemeClr val="accent1"/>
-          </a:effectRef>
-          <a:fontRef idx="minor">
-            <a:schemeClr val="tx1"/>
-          </a:fontRef>
-        </p:style>
-      </p:cxnSp>
-      <p:cxnSp>
-        <p:nvCxnSpPr>
-          <p:cNvPr id="118" name="Прямая со стрелкой 117"/>
-          <p:cNvCxnSpPr>
-            <a:stCxn id="114" idx="1"/>
-          </p:cNvCxnSpPr>
-          <p:nvPr/>
-        </p:nvCxnSpPr>
-        <p:spPr>
-          <a:xfrm flipH="1" flipV="1">
-            <a:off x="5134708" y="3307694"/>
-            <a:ext cx="2290948" cy="452793"/>
-          </a:xfrm>
-          <a:prstGeom prst="straightConnector1">
-            <a:avLst/>
-          </a:prstGeom>
-          <a:ln>
-            <a:solidFill>
-              <a:schemeClr val="bg2">
-                <a:lumMod val="60000"/>
-                <a:lumOff val="40000"/>
-              </a:schemeClr>
-            </a:solidFill>
-            <a:tailEnd type="triangle"/>
-          </a:ln>
-        </p:spPr>
-        <p:style>
-          <a:lnRef idx="1">
-            <a:schemeClr val="accent1"/>
-          </a:lnRef>
-          <a:fillRef idx="0">
-            <a:schemeClr val="accent1"/>
-          </a:fillRef>
-          <a:effectRef idx="0">
-            <a:schemeClr val="accent1"/>
-          </a:effectRef>
-          <a:fontRef idx="minor">
-            <a:schemeClr val="tx1"/>
-          </a:fontRef>
-        </p:style>
-      </p:cxnSp>
-      <p:sp>
-        <p:nvSpPr>
-          <p:cNvPr id="2114" name="TextBox 2113"/>
-          <p:cNvSpPr txBox="1"/>
-          <p:nvPr/>
-        </p:nvSpPr>
-        <p:spPr>
-          <a:xfrm>
-            <a:off x="2132750" y="4394086"/>
-            <a:ext cx="1943546" cy="338554"/>
-          </a:xfrm>
-          <a:prstGeom prst="rect">
-            <a:avLst/>
-          </a:prstGeom>
-          <a:noFill/>
-        </p:spPr>
-        <p:txBody>
-          <a:bodyPr wrap="square" rtlCol="0">
-            <a:spAutoFit/>
-          </a:bodyPr>
-          <a:lstStyle/>
-          <a:p>
-            <a:pPr algn="ctr"/>
-            <a:r>
-              <a:rPr lang="ru-RU" sz="1600" b="1" i="1" dirty="0" smtClean="0">
-                <a:solidFill>
-                  <a:schemeClr val="accent1"/>
-                </a:solidFill>
-                <a:latin typeface="Source Sans Pro" panose="020B0604020202020204" charset="0"/>
-              </a:rPr>
-              <a:t>Первый игрок</a:t>
-            </a:r>
-            <a:endParaRPr lang="ru-RU" sz="1600" b="1" i="1" dirty="0">
-              <a:solidFill>
-                <a:schemeClr val="accent1"/>
-              </a:solidFill>
-              <a:latin typeface="Source Sans Pro" panose="020B0604020202020204" charset="0"/>
-            </a:endParaRPr>
-          </a:p>
-        </p:txBody>
-      </p:sp>
-      <p:sp>
-        <p:nvSpPr>
-          <p:cNvPr id="2115" name="TextBox 2114"/>
-          <p:cNvSpPr txBox="1"/>
-          <p:nvPr/>
-        </p:nvSpPr>
-        <p:spPr>
-          <a:xfrm>
-            <a:off x="4367822" y="4394086"/>
-            <a:ext cx="2264833" cy="338554"/>
-          </a:xfrm>
-          <a:prstGeom prst="rect">
-            <a:avLst/>
-          </a:prstGeom>
-          <a:noFill/>
-        </p:spPr>
-        <p:txBody>
-          <a:bodyPr wrap="square" rtlCol="0">
-            <a:spAutoFit/>
-          </a:bodyPr>
-          <a:lstStyle/>
-          <a:p>
-            <a:pPr algn="ctr"/>
-            <a:r>
-              <a:rPr lang="ru-RU" sz="1600" b="1" i="1" dirty="0" smtClean="0">
-                <a:solidFill>
-                  <a:schemeClr val="bg2">
-                    <a:lumMod val="60000"/>
-                    <a:lumOff val="40000"/>
-                  </a:schemeClr>
-                </a:solidFill>
-                <a:latin typeface="Source Sans Pro" panose="020B0604020202020204" charset="0"/>
-              </a:rPr>
-              <a:t>Второй игрок</a:t>
-            </a:r>
-            <a:endParaRPr lang="ru-RU" sz="1600" b="1" i="1" dirty="0">
-              <a:solidFill>
-                <a:schemeClr val="bg2">
-                  <a:lumMod val="60000"/>
-                  <a:lumOff val="40000"/>
-                </a:schemeClr>
-              </a:solidFill>
-              <a:latin typeface="Source Sans Pro" panose="020B0604020202020204" charset="0"/>
-            </a:endParaRPr>
-          </a:p>
-        </p:txBody>
-      </p:sp>
-    </p:spTree>
-  </p:cSld>
-  <p:clrMapOvr>
-    <a:masterClrMapping/>
-  </p:clrMapOvr>
-  <p:timing>
-    <p:tnLst>
-      <p:par>
-        <p:cTn id="1" dur="indefinite" restart="never" nodeType="tmRoot"/>
-      </p:par>
-    </p:tnLst>
-  </p:timing>
-</p:sld>
-</file>
-
-<file path=ppt/slides/slide5.xml><?xml version="1.0" encoding="utf-8"?>
 <p:sld xmlns:a="http://schemas.openxmlformats.org/drawingml/2006/main" xmlns:r="http://schemas.openxmlformats.org/officeDocument/2006/relationships" xmlns:p="http://schemas.openxmlformats.org/presentationml/2006/main">
   <p:cSld>
     <p:spTree>
@@ -7938,6 +6324,1551 @@
 </p:sld>
 </file>
 
+<file path=ppt/slides/slide5.xml><?xml version="1.0" encoding="utf-8"?>
+<p:sld xmlns:a="http://schemas.openxmlformats.org/drawingml/2006/main" xmlns:r="http://schemas.openxmlformats.org/officeDocument/2006/relationships" xmlns:p="http://schemas.openxmlformats.org/presentationml/2006/main">
+  <p:cSld>
+    <p:spTree>
+      <p:nvGrpSpPr>
+        <p:cNvPr id="1" name="Shape 121"/>
+        <p:cNvGrpSpPr/>
+        <p:nvPr/>
+      </p:nvGrpSpPr>
+      <p:grpSpPr>
+        <a:xfrm>
+          <a:off x="0" y="0"/>
+          <a:ext cx="0" cy="0"/>
+          <a:chOff x="0" y="0"/>
+          <a:chExt cx="0" cy="0"/>
+        </a:xfrm>
+      </p:grpSpPr>
+      <p:sp>
+        <p:nvSpPr>
+          <p:cNvPr id="122" name="Google Shape;122;p20"/>
+          <p:cNvSpPr txBox="1">
+            <a:spLocks noGrp="1"/>
+          </p:cNvSpPr>
+          <p:nvPr>
+            <p:ph type="title"/>
+          </p:nvPr>
+        </p:nvSpPr>
+        <p:spPr>
+          <a:xfrm>
+            <a:off x="832475" y="126338"/>
+            <a:ext cx="7951800" cy="730200"/>
+          </a:xfrm>
+          <a:prstGeom prst="rect">
+            <a:avLst/>
+          </a:prstGeom>
+          <a:ln>
+            <a:noFill/>
+          </a:ln>
+        </p:spPr>
+        <p:txBody>
+          <a:bodyPr spcFirstLastPara="1" wrap="square" lIns="91425" tIns="91425" rIns="91425" bIns="91425" anchor="ctr" anchorCtr="0">
+            <a:noAutofit/>
+          </a:bodyPr>
+          <a:lstStyle/>
+          <a:p>
+            <a:pPr marL="0" lvl="0" indent="0" algn="l" rtl="0">
+              <a:spcBef>
+                <a:spcPts val="0"/>
+              </a:spcBef>
+              <a:spcAft>
+                <a:spcPts val="0"/>
+              </a:spcAft>
+              <a:buNone/>
+            </a:pPr>
+            <a:r>
+              <a:rPr lang="ru-RU" dirty="0" err="1" smtClean="0"/>
+              <a:t>Геймплей</a:t>
+            </a:r>
+            <a:r>
+              <a:rPr lang="ru-RU" dirty="0" smtClean="0"/>
+              <a:t> и управление</a:t>
+            </a:r>
+            <a:endParaRPr dirty="0"/>
+          </a:p>
+        </p:txBody>
+      </p:sp>
+      <p:pic>
+        <p:nvPicPr>
+          <p:cNvPr id="2058" name="Picture 10" descr="https://pixy.org/src2/637/6370741.png"/>
+          <p:cNvPicPr>
+            <a:picLocks noChangeAspect="1" noChangeArrowheads="1"/>
+          </p:cNvPicPr>
+          <p:nvPr/>
+        </p:nvPicPr>
+        <p:blipFill>
+          <a:blip r:embed="rId3">
+            <a:extLst>
+              <a:ext uri="{28A0092B-C50C-407E-A947-70E740481C1C}">
+                <a14:useLocalDpi xmlns:a14="http://schemas.microsoft.com/office/drawing/2010/main" val="0"/>
+              </a:ext>
+            </a:extLst>
+          </a:blip>
+          <a:srcRect/>
+          <a:stretch>
+            <a:fillRect/>
+          </a:stretch>
+        </p:blipFill>
+        <p:spPr bwMode="auto">
+          <a:xfrm>
+            <a:off x="1569313" y="2036031"/>
+            <a:ext cx="5552432" cy="2232841"/>
+          </a:xfrm>
+          <a:prstGeom prst="rect">
+            <a:avLst/>
+          </a:prstGeom>
+          <a:noFill/>
+          <a:extLst>
+            <a:ext uri="{909E8E84-426E-40DD-AFC4-6F175D3DCCD1}">
+              <a14:hiddenFill xmlns:a14="http://schemas.microsoft.com/office/drawing/2010/main">
+                <a:solidFill>
+                  <a:srgbClr val="FFFFFF"/>
+                </a:solidFill>
+              </a14:hiddenFill>
+            </a:ext>
+          </a:extLst>
+        </p:spPr>
+      </p:pic>
+      <p:cxnSp>
+        <p:nvCxnSpPr>
+          <p:cNvPr id="19" name="Прямая со стрелкой 18"/>
+          <p:cNvCxnSpPr>
+            <a:stCxn id="28" idx="2"/>
+          </p:cNvCxnSpPr>
+          <p:nvPr/>
+        </p:nvCxnSpPr>
+        <p:spPr>
+          <a:xfrm>
+            <a:off x="1057072" y="1813499"/>
+            <a:ext cx="1014990" cy="610940"/>
+          </a:xfrm>
+          <a:prstGeom prst="straightConnector1">
+            <a:avLst/>
+          </a:prstGeom>
+          <a:ln>
+            <a:tailEnd type="triangle"/>
+          </a:ln>
+        </p:spPr>
+        <p:style>
+          <a:lnRef idx="1">
+            <a:schemeClr val="accent1"/>
+          </a:lnRef>
+          <a:fillRef idx="0">
+            <a:schemeClr val="accent1"/>
+          </a:fillRef>
+          <a:effectRef idx="0">
+            <a:schemeClr val="accent1"/>
+          </a:effectRef>
+          <a:fontRef idx="minor">
+            <a:schemeClr val="tx1"/>
+          </a:fontRef>
+        </p:style>
+      </p:cxnSp>
+      <p:cxnSp>
+        <p:nvCxnSpPr>
+          <p:cNvPr id="21" name="Прямая со стрелкой 20"/>
+          <p:cNvCxnSpPr>
+            <a:stCxn id="31" idx="2"/>
+          </p:cNvCxnSpPr>
+          <p:nvPr/>
+        </p:nvCxnSpPr>
+        <p:spPr>
+          <a:xfrm>
+            <a:off x="1685394" y="1562737"/>
+            <a:ext cx="749608" cy="864100"/>
+          </a:xfrm>
+          <a:prstGeom prst="straightConnector1">
+            <a:avLst/>
+          </a:prstGeom>
+          <a:ln>
+            <a:tailEnd type="triangle"/>
+          </a:ln>
+        </p:spPr>
+        <p:style>
+          <a:lnRef idx="1">
+            <a:schemeClr val="accent1"/>
+          </a:lnRef>
+          <a:fillRef idx="0">
+            <a:schemeClr val="accent1"/>
+          </a:fillRef>
+          <a:effectRef idx="0">
+            <a:schemeClr val="accent1"/>
+          </a:effectRef>
+          <a:fontRef idx="minor">
+            <a:schemeClr val="tx1"/>
+          </a:fontRef>
+        </p:style>
+      </p:cxnSp>
+      <p:cxnSp>
+        <p:nvCxnSpPr>
+          <p:cNvPr id="34" name="Прямая со стрелкой 33"/>
+          <p:cNvCxnSpPr>
+            <a:stCxn id="32" idx="2"/>
+          </p:cNvCxnSpPr>
+          <p:nvPr/>
+        </p:nvCxnSpPr>
+        <p:spPr>
+          <a:xfrm>
+            <a:off x="2579401" y="1688118"/>
+            <a:ext cx="233237" cy="738719"/>
+          </a:xfrm>
+          <a:prstGeom prst="straightConnector1">
+            <a:avLst/>
+          </a:prstGeom>
+          <a:ln>
+            <a:tailEnd type="triangle"/>
+          </a:ln>
+        </p:spPr>
+        <p:style>
+          <a:lnRef idx="1">
+            <a:schemeClr val="accent1"/>
+          </a:lnRef>
+          <a:fillRef idx="0">
+            <a:schemeClr val="accent1"/>
+          </a:fillRef>
+          <a:effectRef idx="0">
+            <a:schemeClr val="accent1"/>
+          </a:effectRef>
+          <a:fontRef idx="minor">
+            <a:schemeClr val="tx1"/>
+          </a:fontRef>
+        </p:style>
+      </p:cxnSp>
+      <p:cxnSp>
+        <p:nvCxnSpPr>
+          <p:cNvPr id="35" name="Прямая со стрелкой 34"/>
+          <p:cNvCxnSpPr>
+            <a:stCxn id="33" idx="2"/>
+          </p:cNvCxnSpPr>
+          <p:nvPr/>
+        </p:nvCxnSpPr>
+        <p:spPr>
+          <a:xfrm flipH="1">
+            <a:off x="3288839" y="1477870"/>
+            <a:ext cx="33517" cy="907255"/>
+          </a:xfrm>
+          <a:prstGeom prst="straightConnector1">
+            <a:avLst/>
+          </a:prstGeom>
+          <a:ln>
+            <a:tailEnd type="triangle"/>
+          </a:ln>
+        </p:spPr>
+        <p:style>
+          <a:lnRef idx="1">
+            <a:schemeClr val="accent1"/>
+          </a:lnRef>
+          <a:fillRef idx="0">
+            <a:schemeClr val="accent1"/>
+          </a:fillRef>
+          <a:effectRef idx="0">
+            <a:schemeClr val="accent1"/>
+          </a:effectRef>
+          <a:fontRef idx="minor">
+            <a:schemeClr val="tx1"/>
+          </a:fontRef>
+        </p:style>
+      </p:cxnSp>
+      <p:sp>
+        <p:nvSpPr>
+          <p:cNvPr id="28" name="TextBox 27"/>
+          <p:cNvSpPr txBox="1"/>
+          <p:nvPr/>
+        </p:nvSpPr>
+        <p:spPr>
+          <a:xfrm>
+            <a:off x="373470" y="1551889"/>
+            <a:ext cx="1367204" cy="261610"/>
+          </a:xfrm>
+          <a:prstGeom prst="rect">
+            <a:avLst/>
+          </a:prstGeom>
+          <a:noFill/>
+        </p:spPr>
+        <p:txBody>
+          <a:bodyPr wrap="square" rtlCol="0">
+            <a:spAutoFit/>
+          </a:bodyPr>
+          <a:lstStyle/>
+          <a:p>
+            <a:pPr algn="ctr"/>
+            <a:r>
+              <a:rPr lang="ru-RU" sz="1100" b="1" i="1" dirty="0">
+                <a:solidFill>
+                  <a:schemeClr val="accent1"/>
+                </a:solidFill>
+                <a:latin typeface="Source Sans Pro" panose="020B0604020202020204" charset="0"/>
+              </a:rPr>
+              <a:t>с</a:t>
+            </a:r>
+            <a:r>
+              <a:rPr lang="ru-RU" sz="1100" b="1" i="1" dirty="0" smtClean="0">
+                <a:solidFill>
+                  <a:schemeClr val="accent1"/>
+                </a:solidFill>
+                <a:latin typeface="Source Sans Pro" panose="020B0604020202020204" charset="0"/>
+              </a:rPr>
+              <a:t>лабая атака</a:t>
+            </a:r>
+            <a:endParaRPr lang="ru-RU" sz="1100" b="1" i="1" dirty="0">
+              <a:solidFill>
+                <a:schemeClr val="accent1"/>
+              </a:solidFill>
+              <a:latin typeface="Source Sans Pro" panose="020B0604020202020204" charset="0"/>
+            </a:endParaRPr>
+          </a:p>
+        </p:txBody>
+      </p:sp>
+      <p:sp>
+        <p:nvSpPr>
+          <p:cNvPr id="31" name="TextBox 30"/>
+          <p:cNvSpPr txBox="1"/>
+          <p:nvPr/>
+        </p:nvSpPr>
+        <p:spPr>
+          <a:xfrm>
+            <a:off x="1115560" y="1301127"/>
+            <a:ext cx="1139668" cy="261610"/>
+          </a:xfrm>
+          <a:prstGeom prst="rect">
+            <a:avLst/>
+          </a:prstGeom>
+          <a:noFill/>
+        </p:spPr>
+        <p:txBody>
+          <a:bodyPr wrap="square" rtlCol="0">
+            <a:spAutoFit/>
+          </a:bodyPr>
+          <a:lstStyle/>
+          <a:p>
+            <a:pPr algn="ctr"/>
+            <a:r>
+              <a:rPr lang="ru-RU" sz="1100" b="1" i="1" dirty="0">
+                <a:solidFill>
+                  <a:schemeClr val="accent1"/>
+                </a:solidFill>
+                <a:latin typeface="Source Sans Pro" panose="020B0604020202020204" charset="0"/>
+              </a:rPr>
+              <a:t>с</a:t>
+            </a:r>
+            <a:r>
+              <a:rPr lang="ru-RU" sz="1100" b="1" i="1" dirty="0" smtClean="0">
+                <a:solidFill>
+                  <a:schemeClr val="accent1"/>
+                </a:solidFill>
+                <a:latin typeface="Source Sans Pro" panose="020B0604020202020204" charset="0"/>
+              </a:rPr>
+              <a:t>редняя атака</a:t>
+            </a:r>
+          </a:p>
+        </p:txBody>
+      </p:sp>
+      <p:sp>
+        <p:nvSpPr>
+          <p:cNvPr id="32" name="TextBox 31"/>
+          <p:cNvSpPr txBox="1"/>
+          <p:nvPr/>
+        </p:nvSpPr>
+        <p:spPr>
+          <a:xfrm>
+            <a:off x="2022998" y="1426508"/>
+            <a:ext cx="1112805" cy="261610"/>
+          </a:xfrm>
+          <a:prstGeom prst="rect">
+            <a:avLst/>
+          </a:prstGeom>
+          <a:noFill/>
+        </p:spPr>
+        <p:txBody>
+          <a:bodyPr wrap="none" rtlCol="0">
+            <a:spAutoFit/>
+          </a:bodyPr>
+          <a:lstStyle/>
+          <a:p>
+            <a:r>
+              <a:rPr lang="ru-RU" sz="1100" b="1" i="1" dirty="0">
+                <a:solidFill>
+                  <a:schemeClr val="accent1"/>
+                </a:solidFill>
+                <a:latin typeface="Source Sans Pro" panose="020B0604020202020204" charset="0"/>
+              </a:rPr>
+              <a:t>с</a:t>
+            </a:r>
+            <a:r>
+              <a:rPr lang="ru-RU" sz="1100" b="1" i="1" dirty="0" smtClean="0">
+                <a:solidFill>
+                  <a:schemeClr val="accent1"/>
+                </a:solidFill>
+                <a:latin typeface="Source Sans Pro" panose="020B0604020202020204" charset="0"/>
+              </a:rPr>
+              <a:t>ильная атака</a:t>
+            </a:r>
+          </a:p>
+        </p:txBody>
+      </p:sp>
+      <p:sp>
+        <p:nvSpPr>
+          <p:cNvPr id="33" name="TextBox 32"/>
+          <p:cNvSpPr txBox="1"/>
+          <p:nvPr/>
+        </p:nvSpPr>
+        <p:spPr>
+          <a:xfrm>
+            <a:off x="2568416" y="1216260"/>
+            <a:ext cx="1507880" cy="261610"/>
+          </a:xfrm>
+          <a:prstGeom prst="rect">
+            <a:avLst/>
+          </a:prstGeom>
+          <a:noFill/>
+        </p:spPr>
+        <p:txBody>
+          <a:bodyPr wrap="square" rtlCol="0">
+            <a:spAutoFit/>
+          </a:bodyPr>
+          <a:lstStyle/>
+          <a:p>
+            <a:pPr algn="ctr"/>
+            <a:r>
+              <a:rPr lang="ru-RU" sz="1100" b="1" i="1" dirty="0">
+                <a:solidFill>
+                  <a:schemeClr val="accent1"/>
+                </a:solidFill>
+                <a:latin typeface="Source Sans Pro" panose="020B0604020202020204" charset="0"/>
+              </a:rPr>
+              <a:t>н</a:t>
+            </a:r>
+            <a:r>
+              <a:rPr lang="ru-RU" sz="1100" b="1" i="1" dirty="0" smtClean="0">
+                <a:solidFill>
+                  <a:schemeClr val="accent1"/>
+                </a:solidFill>
+                <a:latin typeface="Source Sans Pro" panose="020B0604020202020204" charset="0"/>
+              </a:rPr>
+              <a:t>изкая атака</a:t>
+            </a:r>
+          </a:p>
+        </p:txBody>
+      </p:sp>
+      <p:sp>
+        <p:nvSpPr>
+          <p:cNvPr id="46" name="TextBox 45"/>
+          <p:cNvSpPr txBox="1"/>
+          <p:nvPr/>
+        </p:nvSpPr>
+        <p:spPr>
+          <a:xfrm>
+            <a:off x="395539" y="2270703"/>
+            <a:ext cx="782516" cy="261610"/>
+          </a:xfrm>
+          <a:prstGeom prst="rect">
+            <a:avLst/>
+          </a:prstGeom>
+          <a:noFill/>
+        </p:spPr>
+        <p:txBody>
+          <a:bodyPr wrap="square" rtlCol="0">
+            <a:spAutoFit/>
+          </a:bodyPr>
+          <a:lstStyle/>
+          <a:p>
+            <a:pPr algn="ctr"/>
+            <a:r>
+              <a:rPr lang="ru-RU" sz="1100" b="1" i="1" dirty="0">
+                <a:solidFill>
+                  <a:schemeClr val="accent1"/>
+                </a:solidFill>
+                <a:latin typeface="Source Sans Pro" panose="020B0604020202020204" charset="0"/>
+              </a:rPr>
+              <a:t>п</a:t>
+            </a:r>
+            <a:r>
+              <a:rPr lang="ru-RU" sz="1100" b="1" i="1" dirty="0" smtClean="0">
+                <a:solidFill>
+                  <a:schemeClr val="accent1"/>
+                </a:solidFill>
+                <a:latin typeface="Source Sans Pro" panose="020B0604020202020204" charset="0"/>
+              </a:rPr>
+              <a:t>рыжок</a:t>
+            </a:r>
+          </a:p>
+        </p:txBody>
+      </p:sp>
+      <p:sp>
+        <p:nvSpPr>
+          <p:cNvPr id="47" name="TextBox 46"/>
+          <p:cNvSpPr txBox="1"/>
+          <p:nvPr/>
+        </p:nvSpPr>
+        <p:spPr>
+          <a:xfrm>
+            <a:off x="241788" y="2835899"/>
+            <a:ext cx="1033098" cy="430887"/>
+          </a:xfrm>
+          <a:prstGeom prst="rect">
+            <a:avLst/>
+          </a:prstGeom>
+          <a:noFill/>
+        </p:spPr>
+        <p:txBody>
+          <a:bodyPr wrap="square" rtlCol="0">
+            <a:spAutoFit/>
+          </a:bodyPr>
+          <a:lstStyle/>
+          <a:p>
+            <a:pPr algn="ctr"/>
+            <a:r>
+              <a:rPr lang="ru-RU" sz="1100" b="1" i="1" dirty="0">
+                <a:solidFill>
+                  <a:schemeClr val="accent1"/>
+                </a:solidFill>
+                <a:latin typeface="Source Sans Pro" panose="020B0604020202020204" charset="0"/>
+              </a:rPr>
+              <a:t>д</a:t>
+            </a:r>
+            <a:r>
+              <a:rPr lang="ru-RU" sz="1100" b="1" i="1" dirty="0" smtClean="0">
+                <a:solidFill>
+                  <a:schemeClr val="accent1"/>
+                </a:solidFill>
+                <a:latin typeface="Source Sans Pro" panose="020B0604020202020204" charset="0"/>
+              </a:rPr>
+              <a:t>вижение </a:t>
+            </a:r>
+          </a:p>
+          <a:p>
+            <a:pPr algn="ctr"/>
+            <a:r>
+              <a:rPr lang="ru-RU" sz="1100" b="1" i="1" dirty="0" smtClean="0">
+                <a:solidFill>
+                  <a:schemeClr val="accent1"/>
+                </a:solidFill>
+                <a:latin typeface="Source Sans Pro" panose="020B0604020202020204" charset="0"/>
+              </a:rPr>
+              <a:t>вправо/влево</a:t>
+            </a:r>
+            <a:endParaRPr lang="ru-RU" sz="1100" b="1" i="1" dirty="0">
+              <a:solidFill>
+                <a:schemeClr val="accent1"/>
+              </a:solidFill>
+              <a:latin typeface="Source Sans Pro" panose="020B0604020202020204" charset="0"/>
+            </a:endParaRPr>
+          </a:p>
+        </p:txBody>
+      </p:sp>
+      <p:sp>
+        <p:nvSpPr>
+          <p:cNvPr id="48" name="TextBox 47"/>
+          <p:cNvSpPr txBox="1"/>
+          <p:nvPr/>
+        </p:nvSpPr>
+        <p:spPr>
+          <a:xfrm>
+            <a:off x="373470" y="3629682"/>
+            <a:ext cx="957210" cy="261610"/>
+          </a:xfrm>
+          <a:prstGeom prst="rect">
+            <a:avLst/>
+          </a:prstGeom>
+          <a:noFill/>
+        </p:spPr>
+        <p:txBody>
+          <a:bodyPr wrap="square" rtlCol="0">
+            <a:spAutoFit/>
+          </a:bodyPr>
+          <a:lstStyle/>
+          <a:p>
+            <a:pPr algn="ctr"/>
+            <a:r>
+              <a:rPr lang="ru-RU" sz="1100" b="1" i="1" dirty="0">
+                <a:solidFill>
+                  <a:schemeClr val="accent1"/>
+                </a:solidFill>
+                <a:latin typeface="Source Sans Pro" panose="020B0604020202020204" charset="0"/>
+              </a:rPr>
+              <a:t>п</a:t>
+            </a:r>
+            <a:r>
+              <a:rPr lang="ru-RU" sz="1100" b="1" i="1" dirty="0" smtClean="0">
+                <a:solidFill>
+                  <a:schemeClr val="accent1"/>
+                </a:solidFill>
+                <a:latin typeface="Source Sans Pro" panose="020B0604020202020204" charset="0"/>
+              </a:rPr>
+              <a:t>ригибание</a:t>
+            </a:r>
+            <a:endParaRPr lang="ru-RU" sz="1100" b="1" i="1" dirty="0">
+              <a:solidFill>
+                <a:schemeClr val="accent1"/>
+              </a:solidFill>
+              <a:latin typeface="Source Sans Pro" panose="020B0604020202020204" charset="0"/>
+            </a:endParaRPr>
+          </a:p>
+        </p:txBody>
+      </p:sp>
+      <p:cxnSp>
+        <p:nvCxnSpPr>
+          <p:cNvPr id="50" name="Прямая со стрелкой 49"/>
+          <p:cNvCxnSpPr>
+            <a:stCxn id="46" idx="2"/>
+          </p:cNvCxnSpPr>
+          <p:nvPr/>
+        </p:nvCxnSpPr>
+        <p:spPr>
+          <a:xfrm>
+            <a:off x="786797" y="2532313"/>
+            <a:ext cx="1859688" cy="250667"/>
+          </a:xfrm>
+          <a:prstGeom prst="straightConnector1">
+            <a:avLst/>
+          </a:prstGeom>
+          <a:ln>
+            <a:tailEnd type="triangle"/>
+          </a:ln>
+        </p:spPr>
+        <p:style>
+          <a:lnRef idx="1">
+            <a:schemeClr val="accent1"/>
+          </a:lnRef>
+          <a:fillRef idx="0">
+            <a:schemeClr val="accent1"/>
+          </a:fillRef>
+          <a:effectRef idx="0">
+            <a:schemeClr val="accent1"/>
+          </a:effectRef>
+          <a:fontRef idx="minor">
+            <a:schemeClr val="tx1"/>
+          </a:fontRef>
+        </p:style>
+      </p:cxnSp>
+      <p:cxnSp>
+        <p:nvCxnSpPr>
+          <p:cNvPr id="59" name="Прямая со стрелкой 58"/>
+          <p:cNvCxnSpPr>
+            <a:stCxn id="47" idx="3"/>
+          </p:cNvCxnSpPr>
+          <p:nvPr/>
+        </p:nvCxnSpPr>
+        <p:spPr>
+          <a:xfrm>
+            <a:off x="1274886" y="3051343"/>
+            <a:ext cx="1085849" cy="158682"/>
+          </a:xfrm>
+          <a:prstGeom prst="straightConnector1">
+            <a:avLst/>
+          </a:prstGeom>
+          <a:ln>
+            <a:tailEnd type="triangle"/>
+          </a:ln>
+        </p:spPr>
+        <p:style>
+          <a:lnRef idx="1">
+            <a:schemeClr val="accent1"/>
+          </a:lnRef>
+          <a:fillRef idx="0">
+            <a:schemeClr val="accent1"/>
+          </a:fillRef>
+          <a:effectRef idx="0">
+            <a:schemeClr val="accent1"/>
+          </a:effectRef>
+          <a:fontRef idx="minor">
+            <a:schemeClr val="tx1"/>
+          </a:fontRef>
+        </p:style>
+      </p:cxnSp>
+      <p:cxnSp>
+        <p:nvCxnSpPr>
+          <p:cNvPr id="62" name="Прямая со стрелкой 61"/>
+          <p:cNvCxnSpPr>
+            <a:stCxn id="47" idx="3"/>
+          </p:cNvCxnSpPr>
+          <p:nvPr/>
+        </p:nvCxnSpPr>
+        <p:spPr>
+          <a:xfrm>
+            <a:off x="1274886" y="3051343"/>
+            <a:ext cx="1860917" cy="158682"/>
+          </a:xfrm>
+          <a:prstGeom prst="straightConnector1">
+            <a:avLst/>
+          </a:prstGeom>
+          <a:ln>
+            <a:tailEnd type="triangle"/>
+          </a:ln>
+        </p:spPr>
+        <p:style>
+          <a:lnRef idx="1">
+            <a:schemeClr val="accent1"/>
+          </a:lnRef>
+          <a:fillRef idx="0">
+            <a:schemeClr val="accent1"/>
+          </a:fillRef>
+          <a:effectRef idx="0">
+            <a:schemeClr val="accent1"/>
+          </a:effectRef>
+          <a:fontRef idx="minor">
+            <a:schemeClr val="tx1"/>
+          </a:fontRef>
+        </p:style>
+      </p:cxnSp>
+      <p:cxnSp>
+        <p:nvCxnSpPr>
+          <p:cNvPr id="64" name="Прямая со стрелкой 63"/>
+          <p:cNvCxnSpPr>
+            <a:stCxn id="48" idx="3"/>
+          </p:cNvCxnSpPr>
+          <p:nvPr/>
+        </p:nvCxnSpPr>
+        <p:spPr>
+          <a:xfrm flipV="1">
+            <a:off x="1330680" y="3279262"/>
+            <a:ext cx="1443293" cy="481225"/>
+          </a:xfrm>
+          <a:prstGeom prst="straightConnector1">
+            <a:avLst/>
+          </a:prstGeom>
+          <a:ln>
+            <a:tailEnd type="triangle"/>
+          </a:ln>
+        </p:spPr>
+        <p:style>
+          <a:lnRef idx="1">
+            <a:schemeClr val="accent1"/>
+          </a:lnRef>
+          <a:fillRef idx="0">
+            <a:schemeClr val="accent1"/>
+          </a:fillRef>
+          <a:effectRef idx="0">
+            <a:schemeClr val="accent1"/>
+          </a:effectRef>
+          <a:fontRef idx="minor">
+            <a:schemeClr val="tx1"/>
+          </a:fontRef>
+        </p:style>
+      </p:cxnSp>
+      <p:cxnSp>
+        <p:nvCxnSpPr>
+          <p:cNvPr id="104" name="Прямая со стрелкой 103"/>
+          <p:cNvCxnSpPr>
+            <a:stCxn id="108" idx="2"/>
+          </p:cNvCxnSpPr>
+          <p:nvPr/>
+        </p:nvCxnSpPr>
+        <p:spPr>
+          <a:xfrm>
+            <a:off x="4367822" y="1837592"/>
+            <a:ext cx="80272" cy="558161"/>
+          </a:xfrm>
+          <a:prstGeom prst="straightConnector1">
+            <a:avLst/>
+          </a:prstGeom>
+          <a:ln>
+            <a:solidFill>
+              <a:schemeClr val="accent6">
+                <a:lumMod val="60000"/>
+                <a:lumOff val="40000"/>
+              </a:schemeClr>
+            </a:solidFill>
+            <a:tailEnd type="triangle"/>
+          </a:ln>
+        </p:spPr>
+        <p:style>
+          <a:lnRef idx="1">
+            <a:schemeClr val="accent1"/>
+          </a:lnRef>
+          <a:fillRef idx="0">
+            <a:schemeClr val="accent1"/>
+          </a:fillRef>
+          <a:effectRef idx="0">
+            <a:schemeClr val="accent1"/>
+          </a:effectRef>
+          <a:fontRef idx="minor">
+            <a:schemeClr val="tx1"/>
+          </a:fontRef>
+        </p:style>
+      </p:cxnSp>
+      <p:cxnSp>
+        <p:nvCxnSpPr>
+          <p:cNvPr id="105" name="Прямая со стрелкой 104"/>
+          <p:cNvCxnSpPr>
+            <a:stCxn id="109" idx="2"/>
+          </p:cNvCxnSpPr>
+          <p:nvPr/>
+        </p:nvCxnSpPr>
+        <p:spPr>
+          <a:xfrm flipH="1">
+            <a:off x="4872727" y="1585379"/>
+            <a:ext cx="217913" cy="826659"/>
+          </a:xfrm>
+          <a:prstGeom prst="straightConnector1">
+            <a:avLst/>
+          </a:prstGeom>
+          <a:ln>
+            <a:solidFill>
+              <a:schemeClr val="bg2">
+                <a:lumMod val="60000"/>
+                <a:lumOff val="40000"/>
+              </a:schemeClr>
+            </a:solidFill>
+            <a:tailEnd type="triangle"/>
+          </a:ln>
+        </p:spPr>
+        <p:style>
+          <a:lnRef idx="1">
+            <a:schemeClr val="accent1"/>
+          </a:lnRef>
+          <a:fillRef idx="0">
+            <a:schemeClr val="accent1"/>
+          </a:fillRef>
+          <a:effectRef idx="0">
+            <a:schemeClr val="accent1"/>
+          </a:effectRef>
+          <a:fontRef idx="minor">
+            <a:schemeClr val="tx1"/>
+          </a:fontRef>
+        </p:style>
+      </p:cxnSp>
+      <p:cxnSp>
+        <p:nvCxnSpPr>
+          <p:cNvPr id="106" name="Прямая со стрелкой 105"/>
+          <p:cNvCxnSpPr>
+            <a:stCxn id="110" idx="2"/>
+          </p:cNvCxnSpPr>
+          <p:nvPr/>
+        </p:nvCxnSpPr>
+        <p:spPr>
+          <a:xfrm flipH="1">
+            <a:off x="5250681" y="1837592"/>
+            <a:ext cx="517187" cy="574446"/>
+          </a:xfrm>
+          <a:prstGeom prst="straightConnector1">
+            <a:avLst/>
+          </a:prstGeom>
+          <a:ln>
+            <a:solidFill>
+              <a:schemeClr val="bg2">
+                <a:lumMod val="60000"/>
+                <a:lumOff val="40000"/>
+              </a:schemeClr>
+            </a:solidFill>
+            <a:tailEnd type="triangle"/>
+          </a:ln>
+        </p:spPr>
+        <p:style>
+          <a:lnRef idx="1">
+            <a:schemeClr val="accent1"/>
+          </a:lnRef>
+          <a:fillRef idx="0">
+            <a:schemeClr val="accent1"/>
+          </a:fillRef>
+          <a:effectRef idx="0">
+            <a:schemeClr val="accent1"/>
+          </a:effectRef>
+          <a:fontRef idx="minor">
+            <a:schemeClr val="tx1"/>
+          </a:fontRef>
+        </p:style>
+      </p:cxnSp>
+      <p:cxnSp>
+        <p:nvCxnSpPr>
+          <p:cNvPr id="107" name="Прямая со стрелкой 106"/>
+          <p:cNvCxnSpPr>
+            <a:stCxn id="111" idx="2"/>
+          </p:cNvCxnSpPr>
+          <p:nvPr/>
+        </p:nvCxnSpPr>
+        <p:spPr>
+          <a:xfrm flipH="1">
+            <a:off x="5652064" y="1568800"/>
+            <a:ext cx="876163" cy="855639"/>
+          </a:xfrm>
+          <a:prstGeom prst="straightConnector1">
+            <a:avLst/>
+          </a:prstGeom>
+          <a:ln>
+            <a:solidFill>
+              <a:schemeClr val="tx2">
+                <a:lumMod val="75000"/>
+              </a:schemeClr>
+            </a:solidFill>
+            <a:tailEnd type="triangle"/>
+          </a:ln>
+        </p:spPr>
+        <p:style>
+          <a:lnRef idx="1">
+            <a:schemeClr val="accent1"/>
+          </a:lnRef>
+          <a:fillRef idx="0">
+            <a:schemeClr val="accent1"/>
+          </a:fillRef>
+          <a:effectRef idx="0">
+            <a:schemeClr val="accent1"/>
+          </a:effectRef>
+          <a:fontRef idx="minor">
+            <a:schemeClr val="tx1"/>
+          </a:fontRef>
+        </p:style>
+      </p:cxnSp>
+      <p:sp>
+        <p:nvSpPr>
+          <p:cNvPr id="108" name="TextBox 107"/>
+          <p:cNvSpPr txBox="1"/>
+          <p:nvPr/>
+        </p:nvSpPr>
+        <p:spPr>
+          <a:xfrm>
+            <a:off x="3684220" y="1575982"/>
+            <a:ext cx="1367204" cy="261610"/>
+          </a:xfrm>
+          <a:prstGeom prst="rect">
+            <a:avLst/>
+          </a:prstGeom>
+          <a:noFill/>
+        </p:spPr>
+        <p:txBody>
+          <a:bodyPr wrap="square" rtlCol="0">
+            <a:spAutoFit/>
+          </a:bodyPr>
+          <a:lstStyle/>
+          <a:p>
+            <a:pPr algn="ctr"/>
+            <a:r>
+              <a:rPr lang="ru-RU" sz="1100" b="1" i="1" dirty="0">
+                <a:solidFill>
+                  <a:schemeClr val="bg2">
+                    <a:lumMod val="60000"/>
+                    <a:lumOff val="40000"/>
+                  </a:schemeClr>
+                </a:solidFill>
+                <a:latin typeface="Source Sans Pro" panose="020B0604020202020204" charset="0"/>
+              </a:rPr>
+              <a:t>с</a:t>
+            </a:r>
+            <a:r>
+              <a:rPr lang="ru-RU" sz="1100" b="1" i="1" dirty="0" smtClean="0">
+                <a:solidFill>
+                  <a:schemeClr val="bg2">
+                    <a:lumMod val="60000"/>
+                    <a:lumOff val="40000"/>
+                  </a:schemeClr>
+                </a:solidFill>
+                <a:latin typeface="Source Sans Pro" panose="020B0604020202020204" charset="0"/>
+              </a:rPr>
+              <a:t>лабая атака</a:t>
+            </a:r>
+            <a:endParaRPr lang="ru-RU" sz="1100" b="1" i="1" dirty="0">
+              <a:solidFill>
+                <a:schemeClr val="bg2">
+                  <a:lumMod val="60000"/>
+                  <a:lumOff val="40000"/>
+                </a:schemeClr>
+              </a:solidFill>
+              <a:latin typeface="Source Sans Pro" panose="020B0604020202020204" charset="0"/>
+            </a:endParaRPr>
+          </a:p>
+        </p:txBody>
+      </p:sp>
+      <p:sp>
+        <p:nvSpPr>
+          <p:cNvPr id="109" name="TextBox 108"/>
+          <p:cNvSpPr txBox="1"/>
+          <p:nvPr/>
+        </p:nvSpPr>
+        <p:spPr>
+          <a:xfrm>
+            <a:off x="4520806" y="1323769"/>
+            <a:ext cx="1139668" cy="261610"/>
+          </a:xfrm>
+          <a:prstGeom prst="rect">
+            <a:avLst/>
+          </a:prstGeom>
+          <a:noFill/>
+        </p:spPr>
+        <p:txBody>
+          <a:bodyPr wrap="square" rtlCol="0">
+            <a:spAutoFit/>
+          </a:bodyPr>
+          <a:lstStyle/>
+          <a:p>
+            <a:pPr algn="ctr"/>
+            <a:r>
+              <a:rPr lang="ru-RU" sz="1100" b="1" i="1" dirty="0">
+                <a:solidFill>
+                  <a:schemeClr val="bg2">
+                    <a:lumMod val="60000"/>
+                    <a:lumOff val="40000"/>
+                  </a:schemeClr>
+                </a:solidFill>
+                <a:latin typeface="Source Sans Pro" panose="020B0604020202020204" charset="0"/>
+              </a:rPr>
+              <a:t>с</a:t>
+            </a:r>
+            <a:r>
+              <a:rPr lang="ru-RU" sz="1100" b="1" i="1" dirty="0" smtClean="0">
+                <a:solidFill>
+                  <a:schemeClr val="bg2">
+                    <a:lumMod val="60000"/>
+                    <a:lumOff val="40000"/>
+                  </a:schemeClr>
+                </a:solidFill>
+                <a:latin typeface="Source Sans Pro" panose="020B0604020202020204" charset="0"/>
+              </a:rPr>
+              <a:t>редняя атака</a:t>
+            </a:r>
+          </a:p>
+        </p:txBody>
+      </p:sp>
+      <p:sp>
+        <p:nvSpPr>
+          <p:cNvPr id="110" name="TextBox 109"/>
+          <p:cNvSpPr txBox="1"/>
+          <p:nvPr/>
+        </p:nvSpPr>
+        <p:spPr>
+          <a:xfrm>
+            <a:off x="5211465" y="1575982"/>
+            <a:ext cx="1112805" cy="261610"/>
+          </a:xfrm>
+          <a:prstGeom prst="rect">
+            <a:avLst/>
+          </a:prstGeom>
+          <a:noFill/>
+        </p:spPr>
+        <p:txBody>
+          <a:bodyPr wrap="none" rtlCol="0">
+            <a:spAutoFit/>
+          </a:bodyPr>
+          <a:lstStyle/>
+          <a:p>
+            <a:r>
+              <a:rPr lang="ru-RU" sz="1100" b="1" i="1" dirty="0">
+                <a:solidFill>
+                  <a:schemeClr val="bg2">
+                    <a:lumMod val="60000"/>
+                    <a:lumOff val="40000"/>
+                  </a:schemeClr>
+                </a:solidFill>
+                <a:latin typeface="Source Sans Pro" panose="020B0604020202020204" charset="0"/>
+              </a:rPr>
+              <a:t>с</a:t>
+            </a:r>
+            <a:r>
+              <a:rPr lang="ru-RU" sz="1100" b="1" i="1" dirty="0" smtClean="0">
+                <a:solidFill>
+                  <a:schemeClr val="bg2">
+                    <a:lumMod val="60000"/>
+                    <a:lumOff val="40000"/>
+                  </a:schemeClr>
+                </a:solidFill>
+                <a:latin typeface="Source Sans Pro" panose="020B0604020202020204" charset="0"/>
+              </a:rPr>
+              <a:t>ильная атака</a:t>
+            </a:r>
+          </a:p>
+        </p:txBody>
+      </p:sp>
+      <p:sp>
+        <p:nvSpPr>
+          <p:cNvPr id="111" name="TextBox 110"/>
+          <p:cNvSpPr txBox="1"/>
+          <p:nvPr/>
+        </p:nvSpPr>
+        <p:spPr>
+          <a:xfrm>
+            <a:off x="5949887" y="1307190"/>
+            <a:ext cx="1156680" cy="261610"/>
+          </a:xfrm>
+          <a:prstGeom prst="rect">
+            <a:avLst/>
+          </a:prstGeom>
+          <a:noFill/>
+        </p:spPr>
+        <p:txBody>
+          <a:bodyPr wrap="square" rtlCol="0">
+            <a:spAutoFit/>
+          </a:bodyPr>
+          <a:lstStyle/>
+          <a:p>
+            <a:pPr algn="ctr"/>
+            <a:r>
+              <a:rPr lang="ru-RU" sz="1100" b="1" i="1" dirty="0">
+                <a:solidFill>
+                  <a:schemeClr val="bg2">
+                    <a:lumMod val="60000"/>
+                    <a:lumOff val="40000"/>
+                  </a:schemeClr>
+                </a:solidFill>
+                <a:latin typeface="Source Sans Pro" panose="020B0604020202020204" charset="0"/>
+              </a:rPr>
+              <a:t>н</a:t>
+            </a:r>
+            <a:r>
+              <a:rPr lang="ru-RU" sz="1100" b="1" i="1" dirty="0" smtClean="0">
+                <a:solidFill>
+                  <a:schemeClr val="bg2">
+                    <a:lumMod val="60000"/>
+                    <a:lumOff val="40000"/>
+                  </a:schemeClr>
+                </a:solidFill>
+                <a:latin typeface="Source Sans Pro" panose="020B0604020202020204" charset="0"/>
+              </a:rPr>
+              <a:t>изкая атака</a:t>
+            </a:r>
+          </a:p>
+        </p:txBody>
+      </p:sp>
+      <p:sp>
+        <p:nvSpPr>
+          <p:cNvPr id="112" name="TextBox 111"/>
+          <p:cNvSpPr txBox="1"/>
+          <p:nvPr/>
+        </p:nvSpPr>
+        <p:spPr>
+          <a:xfrm>
+            <a:off x="7597946" y="2274823"/>
+            <a:ext cx="782516" cy="261610"/>
+          </a:xfrm>
+          <a:prstGeom prst="rect">
+            <a:avLst/>
+          </a:prstGeom>
+          <a:noFill/>
+        </p:spPr>
+        <p:txBody>
+          <a:bodyPr wrap="square" rtlCol="0">
+            <a:spAutoFit/>
+          </a:bodyPr>
+          <a:lstStyle/>
+          <a:p>
+            <a:pPr algn="ctr"/>
+            <a:r>
+              <a:rPr lang="ru-RU" sz="1100" b="1" i="1" dirty="0">
+                <a:solidFill>
+                  <a:schemeClr val="bg2">
+                    <a:lumMod val="60000"/>
+                    <a:lumOff val="40000"/>
+                  </a:schemeClr>
+                </a:solidFill>
+                <a:latin typeface="Source Sans Pro" panose="020B0604020202020204" charset="0"/>
+              </a:rPr>
+              <a:t>п</a:t>
+            </a:r>
+            <a:r>
+              <a:rPr lang="ru-RU" sz="1100" b="1" i="1" dirty="0" smtClean="0">
+                <a:solidFill>
+                  <a:schemeClr val="bg2">
+                    <a:lumMod val="60000"/>
+                    <a:lumOff val="40000"/>
+                  </a:schemeClr>
+                </a:solidFill>
+                <a:latin typeface="Source Sans Pro" panose="020B0604020202020204" charset="0"/>
+              </a:rPr>
+              <a:t>рыжок</a:t>
+            </a:r>
+          </a:p>
+        </p:txBody>
+      </p:sp>
+      <p:sp>
+        <p:nvSpPr>
+          <p:cNvPr id="113" name="TextBox 112"/>
+          <p:cNvSpPr txBox="1"/>
+          <p:nvPr/>
+        </p:nvSpPr>
+        <p:spPr>
+          <a:xfrm>
+            <a:off x="7672570" y="2847269"/>
+            <a:ext cx="1140316" cy="430887"/>
+          </a:xfrm>
+          <a:prstGeom prst="rect">
+            <a:avLst/>
+          </a:prstGeom>
+          <a:noFill/>
+        </p:spPr>
+        <p:txBody>
+          <a:bodyPr wrap="square" rtlCol="0">
+            <a:spAutoFit/>
+          </a:bodyPr>
+          <a:lstStyle/>
+          <a:p>
+            <a:pPr algn="ctr"/>
+            <a:r>
+              <a:rPr lang="ru-RU" sz="1100" b="1" i="1" dirty="0">
+                <a:solidFill>
+                  <a:schemeClr val="bg2">
+                    <a:lumMod val="60000"/>
+                    <a:lumOff val="40000"/>
+                  </a:schemeClr>
+                </a:solidFill>
+                <a:latin typeface="Source Sans Pro" panose="020B0604020202020204" charset="0"/>
+              </a:rPr>
+              <a:t>д</a:t>
+            </a:r>
+            <a:r>
+              <a:rPr lang="ru-RU" sz="1100" b="1" i="1" dirty="0" smtClean="0">
+                <a:solidFill>
+                  <a:schemeClr val="bg2">
+                    <a:lumMod val="60000"/>
+                    <a:lumOff val="40000"/>
+                  </a:schemeClr>
+                </a:solidFill>
+                <a:latin typeface="Source Sans Pro" panose="020B0604020202020204" charset="0"/>
+              </a:rPr>
+              <a:t>вижение</a:t>
+            </a:r>
+          </a:p>
+          <a:p>
+            <a:pPr algn="ctr"/>
+            <a:r>
+              <a:rPr lang="ru-RU" sz="1100" b="1" i="1" dirty="0" smtClean="0">
+                <a:solidFill>
+                  <a:schemeClr val="bg2">
+                    <a:lumMod val="60000"/>
+                    <a:lumOff val="40000"/>
+                  </a:schemeClr>
+                </a:solidFill>
+                <a:latin typeface="Source Sans Pro" panose="020B0604020202020204" charset="0"/>
+              </a:rPr>
+              <a:t> вправо/влево</a:t>
+            </a:r>
+            <a:endParaRPr lang="ru-RU" sz="1100" b="1" i="1" dirty="0">
+              <a:solidFill>
+                <a:schemeClr val="bg2">
+                  <a:lumMod val="60000"/>
+                  <a:lumOff val="40000"/>
+                </a:schemeClr>
+              </a:solidFill>
+              <a:latin typeface="Source Sans Pro" panose="020B0604020202020204" charset="0"/>
+            </a:endParaRPr>
+          </a:p>
+        </p:txBody>
+      </p:sp>
+      <p:sp>
+        <p:nvSpPr>
+          <p:cNvPr id="114" name="TextBox 113"/>
+          <p:cNvSpPr txBox="1"/>
+          <p:nvPr/>
+        </p:nvSpPr>
+        <p:spPr>
+          <a:xfrm>
+            <a:off x="7425656" y="3629682"/>
+            <a:ext cx="957210" cy="261610"/>
+          </a:xfrm>
+          <a:prstGeom prst="rect">
+            <a:avLst/>
+          </a:prstGeom>
+          <a:noFill/>
+        </p:spPr>
+        <p:txBody>
+          <a:bodyPr wrap="square" rtlCol="0">
+            <a:spAutoFit/>
+          </a:bodyPr>
+          <a:lstStyle/>
+          <a:p>
+            <a:pPr algn="ctr"/>
+            <a:r>
+              <a:rPr lang="ru-RU" sz="1100" b="1" i="1" dirty="0">
+                <a:solidFill>
+                  <a:schemeClr val="bg2">
+                    <a:lumMod val="60000"/>
+                    <a:lumOff val="40000"/>
+                  </a:schemeClr>
+                </a:solidFill>
+                <a:latin typeface="Source Sans Pro" panose="020B0604020202020204" charset="0"/>
+              </a:rPr>
+              <a:t>п</a:t>
+            </a:r>
+            <a:r>
+              <a:rPr lang="ru-RU" sz="1100" b="1" i="1" dirty="0" smtClean="0">
+                <a:solidFill>
+                  <a:schemeClr val="bg2">
+                    <a:lumMod val="60000"/>
+                    <a:lumOff val="40000"/>
+                  </a:schemeClr>
+                </a:solidFill>
+                <a:latin typeface="Source Sans Pro" panose="020B0604020202020204" charset="0"/>
+              </a:rPr>
+              <a:t>ригибание</a:t>
+            </a:r>
+            <a:endParaRPr lang="ru-RU" sz="1100" b="1" i="1" dirty="0">
+              <a:solidFill>
+                <a:schemeClr val="bg2">
+                  <a:lumMod val="60000"/>
+                  <a:lumOff val="40000"/>
+                </a:schemeClr>
+              </a:solidFill>
+              <a:latin typeface="Source Sans Pro" panose="020B0604020202020204" charset="0"/>
+            </a:endParaRPr>
+          </a:p>
+        </p:txBody>
+      </p:sp>
+      <p:cxnSp>
+        <p:nvCxnSpPr>
+          <p:cNvPr id="115" name="Прямая со стрелкой 114"/>
+          <p:cNvCxnSpPr>
+            <a:stCxn id="112" idx="2"/>
+          </p:cNvCxnSpPr>
+          <p:nvPr/>
+        </p:nvCxnSpPr>
+        <p:spPr>
+          <a:xfrm flipH="1">
+            <a:off x="5051424" y="2536433"/>
+            <a:ext cx="2937780" cy="271728"/>
+          </a:xfrm>
+          <a:prstGeom prst="straightConnector1">
+            <a:avLst/>
+          </a:prstGeom>
+          <a:ln>
+            <a:solidFill>
+              <a:schemeClr val="bg2">
+                <a:lumMod val="60000"/>
+                <a:lumOff val="40000"/>
+              </a:schemeClr>
+            </a:solidFill>
+            <a:tailEnd type="triangle"/>
+          </a:ln>
+        </p:spPr>
+        <p:style>
+          <a:lnRef idx="1">
+            <a:schemeClr val="accent1"/>
+          </a:lnRef>
+          <a:fillRef idx="0">
+            <a:schemeClr val="accent1"/>
+          </a:fillRef>
+          <a:effectRef idx="0">
+            <a:schemeClr val="accent1"/>
+          </a:effectRef>
+          <a:fontRef idx="minor">
+            <a:schemeClr val="tx1"/>
+          </a:fontRef>
+        </p:style>
+      </p:cxnSp>
+      <p:cxnSp>
+        <p:nvCxnSpPr>
+          <p:cNvPr id="116" name="Прямая со стрелкой 115"/>
+          <p:cNvCxnSpPr>
+            <a:stCxn id="113" idx="1"/>
+          </p:cNvCxnSpPr>
+          <p:nvPr/>
+        </p:nvCxnSpPr>
+        <p:spPr>
+          <a:xfrm flipH="1">
+            <a:off x="4765431" y="3062713"/>
+            <a:ext cx="2907139" cy="130419"/>
+          </a:xfrm>
+          <a:prstGeom prst="straightConnector1">
+            <a:avLst/>
+          </a:prstGeom>
+          <a:ln>
+            <a:solidFill>
+              <a:schemeClr val="bg2">
+                <a:lumMod val="60000"/>
+                <a:lumOff val="40000"/>
+              </a:schemeClr>
+            </a:solidFill>
+            <a:tailEnd type="triangle"/>
+          </a:ln>
+        </p:spPr>
+        <p:style>
+          <a:lnRef idx="1">
+            <a:schemeClr val="accent1"/>
+          </a:lnRef>
+          <a:fillRef idx="0">
+            <a:schemeClr val="accent1"/>
+          </a:fillRef>
+          <a:effectRef idx="0">
+            <a:schemeClr val="accent1"/>
+          </a:effectRef>
+          <a:fontRef idx="minor">
+            <a:schemeClr val="tx1"/>
+          </a:fontRef>
+        </p:style>
+      </p:cxnSp>
+      <p:cxnSp>
+        <p:nvCxnSpPr>
+          <p:cNvPr id="117" name="Прямая со стрелкой 116"/>
+          <p:cNvCxnSpPr>
+            <a:stCxn id="113" idx="1"/>
+          </p:cNvCxnSpPr>
+          <p:nvPr/>
+        </p:nvCxnSpPr>
+        <p:spPr>
+          <a:xfrm flipH="1">
+            <a:off x="5569927" y="3062713"/>
+            <a:ext cx="2102643" cy="147312"/>
+          </a:xfrm>
+          <a:prstGeom prst="straightConnector1">
+            <a:avLst/>
+          </a:prstGeom>
+          <a:ln>
+            <a:solidFill>
+              <a:schemeClr val="bg2">
+                <a:lumMod val="60000"/>
+                <a:lumOff val="40000"/>
+              </a:schemeClr>
+            </a:solidFill>
+            <a:tailEnd type="triangle"/>
+          </a:ln>
+        </p:spPr>
+        <p:style>
+          <a:lnRef idx="1">
+            <a:schemeClr val="accent1"/>
+          </a:lnRef>
+          <a:fillRef idx="0">
+            <a:schemeClr val="accent1"/>
+          </a:fillRef>
+          <a:effectRef idx="0">
+            <a:schemeClr val="accent1"/>
+          </a:effectRef>
+          <a:fontRef idx="minor">
+            <a:schemeClr val="tx1"/>
+          </a:fontRef>
+        </p:style>
+      </p:cxnSp>
+      <p:cxnSp>
+        <p:nvCxnSpPr>
+          <p:cNvPr id="118" name="Прямая со стрелкой 117"/>
+          <p:cNvCxnSpPr>
+            <a:stCxn id="114" idx="1"/>
+          </p:cNvCxnSpPr>
+          <p:nvPr/>
+        </p:nvCxnSpPr>
+        <p:spPr>
+          <a:xfrm flipH="1" flipV="1">
+            <a:off x="5134708" y="3307694"/>
+            <a:ext cx="2290948" cy="452793"/>
+          </a:xfrm>
+          <a:prstGeom prst="straightConnector1">
+            <a:avLst/>
+          </a:prstGeom>
+          <a:ln>
+            <a:solidFill>
+              <a:schemeClr val="bg2">
+                <a:lumMod val="60000"/>
+                <a:lumOff val="40000"/>
+              </a:schemeClr>
+            </a:solidFill>
+            <a:tailEnd type="triangle"/>
+          </a:ln>
+        </p:spPr>
+        <p:style>
+          <a:lnRef idx="1">
+            <a:schemeClr val="accent1"/>
+          </a:lnRef>
+          <a:fillRef idx="0">
+            <a:schemeClr val="accent1"/>
+          </a:fillRef>
+          <a:effectRef idx="0">
+            <a:schemeClr val="accent1"/>
+          </a:effectRef>
+          <a:fontRef idx="minor">
+            <a:schemeClr val="tx1"/>
+          </a:fontRef>
+        </p:style>
+      </p:cxnSp>
+      <p:sp>
+        <p:nvSpPr>
+          <p:cNvPr id="2114" name="TextBox 2113"/>
+          <p:cNvSpPr txBox="1"/>
+          <p:nvPr/>
+        </p:nvSpPr>
+        <p:spPr>
+          <a:xfrm>
+            <a:off x="2132750" y="4394086"/>
+            <a:ext cx="1943546" cy="338554"/>
+          </a:xfrm>
+          <a:prstGeom prst="rect">
+            <a:avLst/>
+          </a:prstGeom>
+          <a:noFill/>
+        </p:spPr>
+        <p:txBody>
+          <a:bodyPr wrap="square" rtlCol="0">
+            <a:spAutoFit/>
+          </a:bodyPr>
+          <a:lstStyle/>
+          <a:p>
+            <a:pPr algn="ctr"/>
+            <a:r>
+              <a:rPr lang="ru-RU" sz="1600" b="1" i="1" dirty="0" smtClean="0">
+                <a:solidFill>
+                  <a:schemeClr val="accent1"/>
+                </a:solidFill>
+                <a:latin typeface="Source Sans Pro" panose="020B0604020202020204" charset="0"/>
+              </a:rPr>
+              <a:t>Первый игрок</a:t>
+            </a:r>
+            <a:endParaRPr lang="ru-RU" sz="1600" b="1" i="1" dirty="0">
+              <a:solidFill>
+                <a:schemeClr val="accent1"/>
+              </a:solidFill>
+              <a:latin typeface="Source Sans Pro" panose="020B0604020202020204" charset="0"/>
+            </a:endParaRPr>
+          </a:p>
+        </p:txBody>
+      </p:sp>
+      <p:sp>
+        <p:nvSpPr>
+          <p:cNvPr id="2115" name="TextBox 2114"/>
+          <p:cNvSpPr txBox="1"/>
+          <p:nvPr/>
+        </p:nvSpPr>
+        <p:spPr>
+          <a:xfrm>
+            <a:off x="4367822" y="4394086"/>
+            <a:ext cx="2264833" cy="338554"/>
+          </a:xfrm>
+          <a:prstGeom prst="rect">
+            <a:avLst/>
+          </a:prstGeom>
+          <a:noFill/>
+        </p:spPr>
+        <p:txBody>
+          <a:bodyPr wrap="square" rtlCol="0">
+            <a:spAutoFit/>
+          </a:bodyPr>
+          <a:lstStyle/>
+          <a:p>
+            <a:pPr algn="ctr"/>
+            <a:r>
+              <a:rPr lang="ru-RU" sz="1600" b="1" i="1" dirty="0" smtClean="0">
+                <a:solidFill>
+                  <a:schemeClr val="bg2">
+                    <a:lumMod val="60000"/>
+                    <a:lumOff val="40000"/>
+                  </a:schemeClr>
+                </a:solidFill>
+                <a:latin typeface="Source Sans Pro" panose="020B0604020202020204" charset="0"/>
+              </a:rPr>
+              <a:t>Второй игрок</a:t>
+            </a:r>
+            <a:endParaRPr lang="ru-RU" sz="1600" b="1" i="1" dirty="0">
+              <a:solidFill>
+                <a:schemeClr val="bg2">
+                  <a:lumMod val="60000"/>
+                  <a:lumOff val="40000"/>
+                </a:schemeClr>
+              </a:solidFill>
+              <a:latin typeface="Source Sans Pro" panose="020B0604020202020204" charset="0"/>
+            </a:endParaRPr>
+          </a:p>
+        </p:txBody>
+      </p:sp>
+    </p:spTree>
+  </p:cSld>
+  <p:clrMapOvr>
+    <a:masterClrMapping/>
+  </p:clrMapOvr>
+  <p:timing>
+    <p:tnLst>
+      <p:par>
+        <p:cTn id="1" dur="indefinite" restart="never" nodeType="tmRoot"/>
+      </p:par>
+    </p:tnLst>
+  </p:timing>
+</p:sld>
+</file>
+
 <file path=ppt/slides/slide6.xml><?xml version="1.0" encoding="utf-8"?>
 <p:sld xmlns:a="http://schemas.openxmlformats.org/drawingml/2006/main" xmlns:r="http://schemas.openxmlformats.org/officeDocument/2006/relationships" xmlns:p="http://schemas.openxmlformats.org/presentationml/2006/main">
   <p:cSld>
@@ -8200,6 +8131,13 @@
   <p:clrMapOvr>
     <a:masterClrMapping/>
   </p:clrMapOvr>
+  <p:timing>
+    <p:tnLst>
+      <p:par>
+        <p:cTn id="1" dur="indefinite" restart="never" nodeType="tmRoot"/>
+      </p:par>
+    </p:tnLst>
+  </p:timing>
 </p:sld>
 </file>
 
@@ -8390,6 +8328,13 @@
   <p:clrMapOvr>
     <a:masterClrMapping/>
   </p:clrMapOvr>
+  <p:timing>
+    <p:tnLst>
+      <p:par>
+        <p:cTn id="1" dur="indefinite" restart="never" nodeType="tmRoot"/>
+      </p:par>
+    </p:tnLst>
+  </p:timing>
 </p:sld>
 </file>
 
